--- a/documentation/Class Diagram.pptx
+++ b/documentation/Class Diagram.pptx
@@ -306,7 +306,7 @@
               <a:spcBef>
                 <a:spcPts val="0"/>
               </a:spcBef>
-              <a:buSzPct val="100000"/>
+              <a:buSzPts val="1100"/>
               <a:buChar char="●"/>
               <a:defRPr sz="1100"/>
             </a:lvl1pPr>
@@ -314,7 +314,7 @@
               <a:spcBef>
                 <a:spcPts val="0"/>
               </a:spcBef>
-              <a:buSzPct val="100000"/>
+              <a:buSzPts val="1100"/>
               <a:buChar char="○"/>
               <a:defRPr sz="1100"/>
             </a:lvl2pPr>
@@ -322,7 +322,7 @@
               <a:spcBef>
                 <a:spcPts val="0"/>
               </a:spcBef>
-              <a:buSzPct val="100000"/>
+              <a:buSzPts val="1100"/>
               <a:buChar char="■"/>
               <a:defRPr sz="1100"/>
             </a:lvl3pPr>
@@ -330,7 +330,7 @@
               <a:spcBef>
                 <a:spcPts val="0"/>
               </a:spcBef>
-              <a:buSzPct val="100000"/>
+              <a:buSzPts val="1100"/>
               <a:buChar char="●"/>
               <a:defRPr sz="1100"/>
             </a:lvl4pPr>
@@ -338,7 +338,7 @@
               <a:spcBef>
                 <a:spcPts val="0"/>
               </a:spcBef>
-              <a:buSzPct val="100000"/>
+              <a:buSzPts val="1100"/>
               <a:buChar char="○"/>
               <a:defRPr sz="1100"/>
             </a:lvl5pPr>
@@ -346,7 +346,7 @@
               <a:spcBef>
                 <a:spcPts val="0"/>
               </a:spcBef>
-              <a:buSzPct val="100000"/>
+              <a:buSzPts val="1100"/>
               <a:buChar char="■"/>
               <a:defRPr sz="1100"/>
             </a:lvl6pPr>
@@ -354,7 +354,7 @@
               <a:spcBef>
                 <a:spcPts val="0"/>
               </a:spcBef>
-              <a:buSzPct val="100000"/>
+              <a:buSzPts val="1100"/>
               <a:buChar char="●"/>
               <a:defRPr sz="1100"/>
             </a:lvl7pPr>
@@ -362,7 +362,7 @@
               <a:spcBef>
                 <a:spcPts val="0"/>
               </a:spcBef>
-              <a:buSzPct val="100000"/>
+              <a:buSzPts val="1100"/>
               <a:buChar char="○"/>
               <a:defRPr sz="1100"/>
             </a:lvl8pPr>
@@ -370,7 +370,7 @@
               <a:spcBef>
                 <a:spcPts val="0"/>
               </a:spcBef>
-              <a:buSzPct val="100000"/>
+              <a:buSzPts val="1100"/>
               <a:buChar char="■"/>
               <a:defRPr sz="1100"/>
             </a:lvl9pPr>
@@ -458,7 +458,7 @@
           </a:bodyPr>
           <a:lstStyle/>
           <a:p>
-            <a:pPr lvl="0">
+            <a:pPr indent="0" lvl="0" marL="0">
               <a:spcBef>
                 <a:spcPts val="0"/>
               </a:spcBef>
@@ -520,63 +520,72 @@
               <a:spcBef>
                 <a:spcPts val="0"/>
               </a:spcBef>
-              <a:buSzPct val="100000"/>
+              <a:buSzPts val="5200"/>
+              <a:buNone/>
               <a:defRPr sz="5200"/>
             </a:lvl1pPr>
             <a:lvl2pPr lvl="1" algn="ctr">
               <a:spcBef>
                 <a:spcPts val="0"/>
               </a:spcBef>
-              <a:buSzPct val="100000"/>
+              <a:buSzPts val="5200"/>
+              <a:buNone/>
               <a:defRPr sz="5200"/>
             </a:lvl2pPr>
             <a:lvl3pPr lvl="2" algn="ctr">
               <a:spcBef>
                 <a:spcPts val="0"/>
               </a:spcBef>
-              <a:buSzPct val="100000"/>
+              <a:buSzPts val="5200"/>
+              <a:buNone/>
               <a:defRPr sz="5200"/>
             </a:lvl3pPr>
             <a:lvl4pPr lvl="3" algn="ctr">
               <a:spcBef>
                 <a:spcPts val="0"/>
               </a:spcBef>
-              <a:buSzPct val="100000"/>
+              <a:buSzPts val="5200"/>
+              <a:buNone/>
               <a:defRPr sz="5200"/>
             </a:lvl4pPr>
             <a:lvl5pPr lvl="4" algn="ctr">
               <a:spcBef>
                 <a:spcPts val="0"/>
               </a:spcBef>
-              <a:buSzPct val="100000"/>
+              <a:buSzPts val="5200"/>
+              <a:buNone/>
               <a:defRPr sz="5200"/>
             </a:lvl5pPr>
             <a:lvl6pPr lvl="5" algn="ctr">
               <a:spcBef>
                 <a:spcPts val="0"/>
               </a:spcBef>
-              <a:buSzPct val="100000"/>
+              <a:buSzPts val="5200"/>
+              <a:buNone/>
               <a:defRPr sz="5200"/>
             </a:lvl6pPr>
             <a:lvl7pPr lvl="6" algn="ctr">
               <a:spcBef>
                 <a:spcPts val="0"/>
               </a:spcBef>
-              <a:buSzPct val="100000"/>
+              <a:buSzPts val="5200"/>
+              <a:buNone/>
               <a:defRPr sz="5200"/>
             </a:lvl7pPr>
             <a:lvl8pPr lvl="7" algn="ctr">
               <a:spcBef>
                 <a:spcPts val="0"/>
               </a:spcBef>
-              <a:buSzPct val="100000"/>
+              <a:buSzPts val="5200"/>
+              <a:buNone/>
               <a:defRPr sz="5200"/>
             </a:lvl8pPr>
             <a:lvl9pPr lvl="8" algn="ctr">
               <a:spcBef>
                 <a:spcPts val="0"/>
               </a:spcBef>
-              <a:buSzPct val="100000"/>
+              <a:buSzPts val="5200"/>
+              <a:buNone/>
               <a:defRPr sz="5200"/>
             </a:lvl9pPr>
           </a:lstStyle>
@@ -613,7 +622,7 @@
               <a:spcAft>
                 <a:spcPts val="0"/>
               </a:spcAft>
-              <a:buSzPct val="100000"/>
+              <a:buSzPts val="2800"/>
               <a:buNone/>
               <a:defRPr sz="2800"/>
             </a:lvl1pPr>
@@ -627,7 +636,7 @@
               <a:spcAft>
                 <a:spcPts val="0"/>
               </a:spcAft>
-              <a:buSzPct val="100000"/>
+              <a:buSzPts val="2800"/>
               <a:buNone/>
               <a:defRPr sz="2800"/>
             </a:lvl2pPr>
@@ -641,7 +650,7 @@
               <a:spcAft>
                 <a:spcPts val="0"/>
               </a:spcAft>
-              <a:buSzPct val="100000"/>
+              <a:buSzPts val="2800"/>
               <a:buNone/>
               <a:defRPr sz="2800"/>
             </a:lvl3pPr>
@@ -655,7 +664,7 @@
               <a:spcAft>
                 <a:spcPts val="0"/>
               </a:spcAft>
-              <a:buSzPct val="100000"/>
+              <a:buSzPts val="2800"/>
               <a:buNone/>
               <a:defRPr sz="2800"/>
             </a:lvl4pPr>
@@ -669,7 +678,7 @@
               <a:spcAft>
                 <a:spcPts val="0"/>
               </a:spcAft>
-              <a:buSzPct val="100000"/>
+              <a:buSzPts val="2800"/>
               <a:buNone/>
               <a:defRPr sz="2800"/>
             </a:lvl5pPr>
@@ -683,7 +692,7 @@
               <a:spcAft>
                 <a:spcPts val="0"/>
               </a:spcAft>
-              <a:buSzPct val="100000"/>
+              <a:buSzPts val="2800"/>
               <a:buNone/>
               <a:defRPr sz="2800"/>
             </a:lvl6pPr>
@@ -697,7 +706,7 @@
               <a:spcAft>
                 <a:spcPts val="0"/>
               </a:spcAft>
-              <a:buSzPct val="100000"/>
+              <a:buSzPts val="2800"/>
               <a:buNone/>
               <a:defRPr sz="2800"/>
             </a:lvl7pPr>
@@ -711,7 +720,7 @@
               <a:spcAft>
                 <a:spcPts val="0"/>
               </a:spcAft>
-              <a:buSzPct val="100000"/>
+              <a:buSzPts val="2800"/>
               <a:buNone/>
               <a:defRPr sz="2800"/>
             </a:lvl8pPr>
@@ -725,7 +734,7 @@
               <a:spcAft>
                 <a:spcPts val="0"/>
               </a:spcAft>
-              <a:buSzPct val="100000"/>
+              <a:buSzPts val="2800"/>
               <a:buNone/>
               <a:defRPr sz="2800"/>
             </a:lvl9pPr>
@@ -756,7 +765,7 @@
           </a:bodyPr>
           <a:lstStyle/>
           <a:p>
-            <a:pPr lvl="0">
+            <a:pPr indent="0" lvl="0" marL="0">
               <a:spcBef>
                 <a:spcPts val="0"/>
               </a:spcBef>
@@ -818,63 +827,72 @@
               <a:spcBef>
                 <a:spcPts val="0"/>
               </a:spcBef>
-              <a:buSzPct val="100000"/>
+              <a:buSzPts val="12000"/>
+              <a:buNone/>
               <a:defRPr sz="12000"/>
             </a:lvl1pPr>
             <a:lvl2pPr lvl="1" algn="ctr">
               <a:spcBef>
                 <a:spcPts val="0"/>
               </a:spcBef>
-              <a:buSzPct val="100000"/>
+              <a:buSzPts val="12000"/>
+              <a:buNone/>
               <a:defRPr sz="12000"/>
             </a:lvl2pPr>
             <a:lvl3pPr lvl="2" algn="ctr">
               <a:spcBef>
                 <a:spcPts val="0"/>
               </a:spcBef>
-              <a:buSzPct val="100000"/>
+              <a:buSzPts val="12000"/>
+              <a:buNone/>
               <a:defRPr sz="12000"/>
             </a:lvl3pPr>
             <a:lvl4pPr lvl="3" algn="ctr">
               <a:spcBef>
                 <a:spcPts val="0"/>
               </a:spcBef>
-              <a:buSzPct val="100000"/>
+              <a:buSzPts val="12000"/>
+              <a:buNone/>
               <a:defRPr sz="12000"/>
             </a:lvl4pPr>
             <a:lvl5pPr lvl="4" algn="ctr">
               <a:spcBef>
                 <a:spcPts val="0"/>
               </a:spcBef>
-              <a:buSzPct val="100000"/>
+              <a:buSzPts val="12000"/>
+              <a:buNone/>
               <a:defRPr sz="12000"/>
             </a:lvl5pPr>
             <a:lvl6pPr lvl="5" algn="ctr">
               <a:spcBef>
                 <a:spcPts val="0"/>
               </a:spcBef>
-              <a:buSzPct val="100000"/>
+              <a:buSzPts val="12000"/>
+              <a:buNone/>
               <a:defRPr sz="12000"/>
             </a:lvl6pPr>
             <a:lvl7pPr lvl="6" algn="ctr">
               <a:spcBef>
                 <a:spcPts val="0"/>
               </a:spcBef>
-              <a:buSzPct val="100000"/>
+              <a:buSzPts val="12000"/>
+              <a:buNone/>
               <a:defRPr sz="12000"/>
             </a:lvl7pPr>
             <a:lvl8pPr lvl="7" algn="ctr">
               <a:spcBef>
                 <a:spcPts val="0"/>
               </a:spcBef>
-              <a:buSzPct val="100000"/>
+              <a:buSzPts val="12000"/>
+              <a:buNone/>
               <a:defRPr sz="12000"/>
             </a:lvl8pPr>
             <a:lvl9pPr lvl="8" algn="ctr">
               <a:spcBef>
                 <a:spcPts val="0"/>
               </a:spcBef>
-              <a:buSzPct val="100000"/>
+              <a:buSzPts val="12000"/>
+              <a:buNone/>
               <a:defRPr sz="12000"/>
             </a:lvl9pPr>
           </a:lstStyle>
@@ -905,54 +923,72 @@
               <a:spcBef>
                 <a:spcPts val="0"/>
               </a:spcBef>
+              <a:buSzPts val="1800"/>
+              <a:buChar char="●"/>
               <a:defRPr/>
             </a:lvl1pPr>
             <a:lvl2pPr lvl="1" algn="ctr">
               <a:spcBef>
                 <a:spcPts val="0"/>
               </a:spcBef>
+              <a:buSzPts val="1400"/>
+              <a:buChar char="○"/>
               <a:defRPr/>
             </a:lvl2pPr>
             <a:lvl3pPr lvl="2" algn="ctr">
               <a:spcBef>
                 <a:spcPts val="0"/>
               </a:spcBef>
+              <a:buSzPts val="1400"/>
+              <a:buChar char="■"/>
               <a:defRPr/>
             </a:lvl3pPr>
             <a:lvl4pPr lvl="3" algn="ctr">
               <a:spcBef>
                 <a:spcPts val="0"/>
               </a:spcBef>
+              <a:buSzPts val="1400"/>
+              <a:buChar char="●"/>
               <a:defRPr/>
             </a:lvl4pPr>
             <a:lvl5pPr lvl="4" algn="ctr">
               <a:spcBef>
                 <a:spcPts val="0"/>
               </a:spcBef>
+              <a:buSzPts val="1400"/>
+              <a:buChar char="○"/>
               <a:defRPr/>
             </a:lvl5pPr>
             <a:lvl6pPr lvl="5" algn="ctr">
               <a:spcBef>
                 <a:spcPts val="0"/>
               </a:spcBef>
+              <a:buSzPts val="1400"/>
+              <a:buChar char="■"/>
               <a:defRPr/>
             </a:lvl6pPr>
             <a:lvl7pPr lvl="6" algn="ctr">
               <a:spcBef>
                 <a:spcPts val="0"/>
               </a:spcBef>
+              <a:buSzPts val="1400"/>
+              <a:buChar char="●"/>
               <a:defRPr/>
             </a:lvl7pPr>
             <a:lvl8pPr lvl="7" algn="ctr">
               <a:spcBef>
                 <a:spcPts val="0"/>
               </a:spcBef>
+              <a:buSzPts val="1400"/>
+              <a:buChar char="○"/>
               <a:defRPr/>
             </a:lvl8pPr>
             <a:lvl9pPr lvl="8" algn="ctr">
               <a:spcBef>
                 <a:spcPts val="0"/>
               </a:spcBef>
+              <a:buSzPts val="1400"/>
+              <a:buChar char="■"/>
               <a:defRPr/>
             </a:lvl9pPr>
           </a:lstStyle>
@@ -982,7 +1018,7 @@
           </a:bodyPr>
           <a:lstStyle/>
           <a:p>
-            <a:pPr lvl="0">
+            <a:pPr indent="0" lvl="0" marL="0">
               <a:spcBef>
                 <a:spcPts val="0"/>
               </a:spcBef>
@@ -1043,7 +1079,7 @@
           </a:bodyPr>
           <a:lstStyle/>
           <a:p>
-            <a:pPr lvl="0">
+            <a:pPr indent="0" lvl="0" marL="0">
               <a:spcBef>
                 <a:spcPts val="0"/>
               </a:spcBef>
@@ -1105,63 +1141,72 @@
               <a:spcBef>
                 <a:spcPts val="0"/>
               </a:spcBef>
-              <a:buSzPct val="100000"/>
+              <a:buSzPts val="3600"/>
+              <a:buNone/>
               <a:defRPr sz="3600"/>
             </a:lvl1pPr>
             <a:lvl2pPr lvl="1" algn="ctr">
               <a:spcBef>
                 <a:spcPts val="0"/>
               </a:spcBef>
-              <a:buSzPct val="100000"/>
+              <a:buSzPts val="3600"/>
+              <a:buNone/>
               <a:defRPr sz="3600"/>
             </a:lvl2pPr>
             <a:lvl3pPr lvl="2" algn="ctr">
               <a:spcBef>
                 <a:spcPts val="0"/>
               </a:spcBef>
-              <a:buSzPct val="100000"/>
+              <a:buSzPts val="3600"/>
+              <a:buNone/>
               <a:defRPr sz="3600"/>
             </a:lvl3pPr>
             <a:lvl4pPr lvl="3" algn="ctr">
               <a:spcBef>
                 <a:spcPts val="0"/>
               </a:spcBef>
-              <a:buSzPct val="100000"/>
+              <a:buSzPts val="3600"/>
+              <a:buNone/>
               <a:defRPr sz="3600"/>
             </a:lvl4pPr>
             <a:lvl5pPr lvl="4" algn="ctr">
               <a:spcBef>
                 <a:spcPts val="0"/>
               </a:spcBef>
-              <a:buSzPct val="100000"/>
+              <a:buSzPts val="3600"/>
+              <a:buNone/>
               <a:defRPr sz="3600"/>
             </a:lvl5pPr>
             <a:lvl6pPr lvl="5" algn="ctr">
               <a:spcBef>
                 <a:spcPts val="0"/>
               </a:spcBef>
-              <a:buSzPct val="100000"/>
+              <a:buSzPts val="3600"/>
+              <a:buNone/>
               <a:defRPr sz="3600"/>
             </a:lvl6pPr>
             <a:lvl7pPr lvl="6" algn="ctr">
               <a:spcBef>
                 <a:spcPts val="0"/>
               </a:spcBef>
-              <a:buSzPct val="100000"/>
+              <a:buSzPts val="3600"/>
+              <a:buNone/>
               <a:defRPr sz="3600"/>
             </a:lvl7pPr>
             <a:lvl8pPr lvl="7" algn="ctr">
               <a:spcBef>
                 <a:spcPts val="0"/>
               </a:spcBef>
-              <a:buSzPct val="100000"/>
+              <a:buSzPts val="3600"/>
+              <a:buNone/>
               <a:defRPr sz="3600"/>
             </a:lvl8pPr>
             <a:lvl9pPr lvl="8" algn="ctr">
               <a:spcBef>
                 <a:spcPts val="0"/>
               </a:spcBef>
-              <a:buSzPct val="100000"/>
+              <a:buSzPts val="3600"/>
+              <a:buNone/>
               <a:defRPr sz="3600"/>
             </a:lvl9pPr>
           </a:lstStyle>
@@ -1191,7 +1236,7 @@
           </a:bodyPr>
           <a:lstStyle/>
           <a:p>
-            <a:pPr lvl="0">
+            <a:pPr indent="0" lvl="0" marL="0">
               <a:spcBef>
                 <a:spcPts val="0"/>
               </a:spcBef>
@@ -1253,54 +1298,72 @@
               <a:spcBef>
                 <a:spcPts val="0"/>
               </a:spcBef>
+              <a:buSzPts val="2800"/>
+              <a:buNone/>
               <a:defRPr/>
             </a:lvl1pPr>
             <a:lvl2pPr lvl="1">
               <a:spcBef>
                 <a:spcPts val="0"/>
               </a:spcBef>
+              <a:buSzPts val="2800"/>
+              <a:buNone/>
               <a:defRPr/>
             </a:lvl2pPr>
             <a:lvl3pPr lvl="2">
               <a:spcBef>
                 <a:spcPts val="0"/>
               </a:spcBef>
+              <a:buSzPts val="2800"/>
+              <a:buNone/>
               <a:defRPr/>
             </a:lvl3pPr>
             <a:lvl4pPr lvl="3">
               <a:spcBef>
                 <a:spcPts val="0"/>
               </a:spcBef>
+              <a:buSzPts val="2800"/>
+              <a:buNone/>
               <a:defRPr/>
             </a:lvl4pPr>
             <a:lvl5pPr lvl="4">
               <a:spcBef>
                 <a:spcPts val="0"/>
               </a:spcBef>
+              <a:buSzPts val="2800"/>
+              <a:buNone/>
               <a:defRPr/>
             </a:lvl5pPr>
             <a:lvl6pPr lvl="5">
               <a:spcBef>
                 <a:spcPts val="0"/>
               </a:spcBef>
+              <a:buSzPts val="2800"/>
+              <a:buNone/>
               <a:defRPr/>
             </a:lvl6pPr>
             <a:lvl7pPr lvl="6">
               <a:spcBef>
                 <a:spcPts val="0"/>
               </a:spcBef>
+              <a:buSzPts val="2800"/>
+              <a:buNone/>
               <a:defRPr/>
             </a:lvl7pPr>
             <a:lvl8pPr lvl="7">
               <a:spcBef>
                 <a:spcPts val="0"/>
               </a:spcBef>
+              <a:buSzPts val="2800"/>
+              <a:buNone/>
               <a:defRPr/>
             </a:lvl8pPr>
             <a:lvl9pPr lvl="8">
               <a:spcBef>
                 <a:spcPts val="0"/>
               </a:spcBef>
+              <a:buSzPts val="2800"/>
+              <a:buNone/>
               <a:defRPr/>
             </a:lvl9pPr>
           </a:lstStyle>
@@ -1331,54 +1394,72 @@
               <a:spcBef>
                 <a:spcPts val="0"/>
               </a:spcBef>
+              <a:buSzPts val="1800"/>
+              <a:buChar char="●"/>
               <a:defRPr/>
             </a:lvl1pPr>
             <a:lvl2pPr lvl="1">
               <a:spcBef>
                 <a:spcPts val="0"/>
               </a:spcBef>
+              <a:buSzPts val="1400"/>
+              <a:buChar char="○"/>
               <a:defRPr/>
             </a:lvl2pPr>
             <a:lvl3pPr lvl="2">
               <a:spcBef>
                 <a:spcPts val="0"/>
               </a:spcBef>
+              <a:buSzPts val="1400"/>
+              <a:buChar char="■"/>
               <a:defRPr/>
             </a:lvl3pPr>
             <a:lvl4pPr lvl="3">
               <a:spcBef>
                 <a:spcPts val="0"/>
               </a:spcBef>
+              <a:buSzPts val="1400"/>
+              <a:buChar char="●"/>
               <a:defRPr/>
             </a:lvl4pPr>
             <a:lvl5pPr lvl="4">
               <a:spcBef>
                 <a:spcPts val="0"/>
               </a:spcBef>
+              <a:buSzPts val="1400"/>
+              <a:buChar char="○"/>
               <a:defRPr/>
             </a:lvl5pPr>
             <a:lvl6pPr lvl="5">
               <a:spcBef>
                 <a:spcPts val="0"/>
               </a:spcBef>
+              <a:buSzPts val="1400"/>
+              <a:buChar char="■"/>
               <a:defRPr/>
             </a:lvl6pPr>
             <a:lvl7pPr lvl="6">
               <a:spcBef>
                 <a:spcPts val="0"/>
               </a:spcBef>
+              <a:buSzPts val="1400"/>
+              <a:buChar char="●"/>
               <a:defRPr/>
             </a:lvl7pPr>
             <a:lvl8pPr lvl="7">
               <a:spcBef>
                 <a:spcPts val="0"/>
               </a:spcBef>
+              <a:buSzPts val="1400"/>
+              <a:buChar char="○"/>
               <a:defRPr/>
             </a:lvl8pPr>
             <a:lvl9pPr lvl="8">
               <a:spcBef>
                 <a:spcPts val="0"/>
               </a:spcBef>
+              <a:buSzPts val="1400"/>
+              <a:buChar char="■"/>
               <a:defRPr/>
             </a:lvl9pPr>
           </a:lstStyle>
@@ -1408,7 +1489,7 @@
           </a:bodyPr>
           <a:lstStyle/>
           <a:p>
-            <a:pPr lvl="0">
+            <a:pPr indent="0" lvl="0" marL="0">
               <a:spcBef>
                 <a:spcPts val="0"/>
               </a:spcBef>
@@ -1470,54 +1551,72 @@
               <a:spcBef>
                 <a:spcPts val="0"/>
               </a:spcBef>
+              <a:buSzPts val="2800"/>
+              <a:buNone/>
               <a:defRPr/>
             </a:lvl1pPr>
             <a:lvl2pPr lvl="1">
               <a:spcBef>
                 <a:spcPts val="0"/>
               </a:spcBef>
+              <a:buSzPts val="2800"/>
+              <a:buNone/>
               <a:defRPr/>
             </a:lvl2pPr>
             <a:lvl3pPr lvl="2">
               <a:spcBef>
                 <a:spcPts val="0"/>
               </a:spcBef>
+              <a:buSzPts val="2800"/>
+              <a:buNone/>
               <a:defRPr/>
             </a:lvl3pPr>
             <a:lvl4pPr lvl="3">
               <a:spcBef>
                 <a:spcPts val="0"/>
               </a:spcBef>
+              <a:buSzPts val="2800"/>
+              <a:buNone/>
               <a:defRPr/>
             </a:lvl4pPr>
             <a:lvl5pPr lvl="4">
               <a:spcBef>
                 <a:spcPts val="0"/>
               </a:spcBef>
+              <a:buSzPts val="2800"/>
+              <a:buNone/>
               <a:defRPr/>
             </a:lvl5pPr>
             <a:lvl6pPr lvl="5">
               <a:spcBef>
                 <a:spcPts val="0"/>
               </a:spcBef>
+              <a:buSzPts val="2800"/>
+              <a:buNone/>
               <a:defRPr/>
             </a:lvl6pPr>
             <a:lvl7pPr lvl="6">
               <a:spcBef>
                 <a:spcPts val="0"/>
               </a:spcBef>
+              <a:buSzPts val="2800"/>
+              <a:buNone/>
               <a:defRPr/>
             </a:lvl7pPr>
             <a:lvl8pPr lvl="7">
               <a:spcBef>
                 <a:spcPts val="0"/>
               </a:spcBef>
+              <a:buSzPts val="2800"/>
+              <a:buNone/>
               <a:defRPr/>
             </a:lvl8pPr>
             <a:lvl9pPr lvl="8">
               <a:spcBef>
                 <a:spcPts val="0"/>
               </a:spcBef>
+              <a:buSzPts val="2800"/>
+              <a:buNone/>
               <a:defRPr/>
             </a:lvl9pPr>
           </a:lstStyle>
@@ -1548,63 +1647,72 @@
               <a:spcBef>
                 <a:spcPts val="0"/>
               </a:spcBef>
-              <a:buSzPct val="100000"/>
+              <a:buSzPts val="1400"/>
+              <a:buChar char="●"/>
               <a:defRPr sz="1400"/>
             </a:lvl1pPr>
             <a:lvl2pPr lvl="1">
               <a:spcBef>
                 <a:spcPts val="0"/>
               </a:spcBef>
-              <a:buSzPct val="100000"/>
+              <a:buSzPts val="1200"/>
+              <a:buChar char="○"/>
               <a:defRPr sz="1200"/>
             </a:lvl2pPr>
             <a:lvl3pPr lvl="2">
               <a:spcBef>
                 <a:spcPts val="0"/>
               </a:spcBef>
-              <a:buSzPct val="100000"/>
+              <a:buSzPts val="1200"/>
+              <a:buChar char="■"/>
               <a:defRPr sz="1200"/>
             </a:lvl3pPr>
             <a:lvl4pPr lvl="3">
               <a:spcBef>
                 <a:spcPts val="0"/>
               </a:spcBef>
-              <a:buSzPct val="100000"/>
+              <a:buSzPts val="1200"/>
+              <a:buChar char="●"/>
               <a:defRPr sz="1200"/>
             </a:lvl4pPr>
             <a:lvl5pPr lvl="4">
               <a:spcBef>
                 <a:spcPts val="0"/>
               </a:spcBef>
-              <a:buSzPct val="100000"/>
+              <a:buSzPts val="1200"/>
+              <a:buChar char="○"/>
               <a:defRPr sz="1200"/>
             </a:lvl5pPr>
             <a:lvl6pPr lvl="5">
               <a:spcBef>
                 <a:spcPts val="0"/>
               </a:spcBef>
-              <a:buSzPct val="100000"/>
+              <a:buSzPts val="1200"/>
+              <a:buChar char="■"/>
               <a:defRPr sz="1200"/>
             </a:lvl6pPr>
             <a:lvl7pPr lvl="6">
               <a:spcBef>
                 <a:spcPts val="0"/>
               </a:spcBef>
-              <a:buSzPct val="100000"/>
+              <a:buSzPts val="1200"/>
+              <a:buChar char="●"/>
               <a:defRPr sz="1200"/>
             </a:lvl7pPr>
             <a:lvl8pPr lvl="7">
               <a:spcBef>
                 <a:spcPts val="0"/>
               </a:spcBef>
-              <a:buSzPct val="100000"/>
+              <a:buSzPts val="1200"/>
+              <a:buChar char="○"/>
               <a:defRPr sz="1200"/>
             </a:lvl8pPr>
             <a:lvl9pPr lvl="8">
               <a:spcBef>
                 <a:spcPts val="0"/>
               </a:spcBef>
-              <a:buSzPct val="100000"/>
+              <a:buSzPts val="1200"/>
+              <a:buChar char="■"/>
               <a:defRPr sz="1200"/>
             </a:lvl9pPr>
           </a:lstStyle>
@@ -1635,63 +1743,72 @@
               <a:spcBef>
                 <a:spcPts val="0"/>
               </a:spcBef>
-              <a:buSzPct val="100000"/>
+              <a:buSzPts val="1400"/>
+              <a:buChar char="●"/>
               <a:defRPr sz="1400"/>
             </a:lvl1pPr>
             <a:lvl2pPr lvl="1">
               <a:spcBef>
                 <a:spcPts val="0"/>
               </a:spcBef>
-              <a:buSzPct val="100000"/>
+              <a:buSzPts val="1200"/>
+              <a:buChar char="○"/>
               <a:defRPr sz="1200"/>
             </a:lvl2pPr>
             <a:lvl3pPr lvl="2">
               <a:spcBef>
                 <a:spcPts val="0"/>
               </a:spcBef>
-              <a:buSzPct val="100000"/>
+              <a:buSzPts val="1200"/>
+              <a:buChar char="■"/>
               <a:defRPr sz="1200"/>
             </a:lvl3pPr>
             <a:lvl4pPr lvl="3">
               <a:spcBef>
                 <a:spcPts val="0"/>
               </a:spcBef>
-              <a:buSzPct val="100000"/>
+              <a:buSzPts val="1200"/>
+              <a:buChar char="●"/>
               <a:defRPr sz="1200"/>
             </a:lvl4pPr>
             <a:lvl5pPr lvl="4">
               <a:spcBef>
                 <a:spcPts val="0"/>
               </a:spcBef>
-              <a:buSzPct val="100000"/>
+              <a:buSzPts val="1200"/>
+              <a:buChar char="○"/>
               <a:defRPr sz="1200"/>
             </a:lvl5pPr>
             <a:lvl6pPr lvl="5">
               <a:spcBef>
                 <a:spcPts val="0"/>
               </a:spcBef>
-              <a:buSzPct val="100000"/>
+              <a:buSzPts val="1200"/>
+              <a:buChar char="■"/>
               <a:defRPr sz="1200"/>
             </a:lvl6pPr>
             <a:lvl7pPr lvl="6">
               <a:spcBef>
                 <a:spcPts val="0"/>
               </a:spcBef>
-              <a:buSzPct val="100000"/>
+              <a:buSzPts val="1200"/>
+              <a:buChar char="●"/>
               <a:defRPr sz="1200"/>
             </a:lvl7pPr>
             <a:lvl8pPr lvl="7">
               <a:spcBef>
                 <a:spcPts val="0"/>
               </a:spcBef>
-              <a:buSzPct val="100000"/>
+              <a:buSzPts val="1200"/>
+              <a:buChar char="○"/>
               <a:defRPr sz="1200"/>
             </a:lvl8pPr>
             <a:lvl9pPr lvl="8">
               <a:spcBef>
                 <a:spcPts val="0"/>
               </a:spcBef>
-              <a:buSzPct val="100000"/>
+              <a:buSzPts val="1200"/>
+              <a:buChar char="■"/>
               <a:defRPr sz="1200"/>
             </a:lvl9pPr>
           </a:lstStyle>
@@ -1721,7 +1838,7 @@
           </a:bodyPr>
           <a:lstStyle/>
           <a:p>
-            <a:pPr lvl="0">
+            <a:pPr indent="0" lvl="0" marL="0">
               <a:spcBef>
                 <a:spcPts val="0"/>
               </a:spcBef>
@@ -1783,54 +1900,72 @@
               <a:spcBef>
                 <a:spcPts val="0"/>
               </a:spcBef>
+              <a:buSzPts val="2800"/>
+              <a:buNone/>
               <a:defRPr/>
             </a:lvl1pPr>
             <a:lvl2pPr lvl="1">
               <a:spcBef>
                 <a:spcPts val="0"/>
               </a:spcBef>
+              <a:buSzPts val="2800"/>
+              <a:buNone/>
               <a:defRPr/>
             </a:lvl2pPr>
             <a:lvl3pPr lvl="2">
               <a:spcBef>
                 <a:spcPts val="0"/>
               </a:spcBef>
+              <a:buSzPts val="2800"/>
+              <a:buNone/>
               <a:defRPr/>
             </a:lvl3pPr>
             <a:lvl4pPr lvl="3">
               <a:spcBef>
                 <a:spcPts val="0"/>
               </a:spcBef>
+              <a:buSzPts val="2800"/>
+              <a:buNone/>
               <a:defRPr/>
             </a:lvl4pPr>
             <a:lvl5pPr lvl="4">
               <a:spcBef>
                 <a:spcPts val="0"/>
               </a:spcBef>
+              <a:buSzPts val="2800"/>
+              <a:buNone/>
               <a:defRPr/>
             </a:lvl5pPr>
             <a:lvl6pPr lvl="5">
               <a:spcBef>
                 <a:spcPts val="0"/>
               </a:spcBef>
+              <a:buSzPts val="2800"/>
+              <a:buNone/>
               <a:defRPr/>
             </a:lvl6pPr>
             <a:lvl7pPr lvl="6">
               <a:spcBef>
                 <a:spcPts val="0"/>
               </a:spcBef>
+              <a:buSzPts val="2800"/>
+              <a:buNone/>
               <a:defRPr/>
             </a:lvl7pPr>
             <a:lvl8pPr lvl="7">
               <a:spcBef>
                 <a:spcPts val="0"/>
               </a:spcBef>
+              <a:buSzPts val="2800"/>
+              <a:buNone/>
               <a:defRPr/>
             </a:lvl8pPr>
             <a:lvl9pPr lvl="8">
               <a:spcBef>
                 <a:spcPts val="0"/>
               </a:spcBef>
+              <a:buSzPts val="2800"/>
+              <a:buNone/>
               <a:defRPr/>
             </a:lvl9pPr>
           </a:lstStyle>
@@ -1860,7 +1995,7 @@
           </a:bodyPr>
           <a:lstStyle/>
           <a:p>
-            <a:pPr lvl="0">
+            <a:pPr indent="0" lvl="0" marL="0">
               <a:spcBef>
                 <a:spcPts val="0"/>
               </a:spcBef>
@@ -1922,63 +2057,72 @@
               <a:spcBef>
                 <a:spcPts val="0"/>
               </a:spcBef>
-              <a:buSzPct val="100000"/>
+              <a:buSzPts val="2400"/>
+              <a:buNone/>
               <a:defRPr sz="2400"/>
             </a:lvl1pPr>
             <a:lvl2pPr lvl="1">
               <a:spcBef>
                 <a:spcPts val="0"/>
               </a:spcBef>
-              <a:buSzPct val="100000"/>
+              <a:buSzPts val="2400"/>
+              <a:buNone/>
               <a:defRPr sz="2400"/>
             </a:lvl2pPr>
             <a:lvl3pPr lvl="2">
               <a:spcBef>
                 <a:spcPts val="0"/>
               </a:spcBef>
-              <a:buSzPct val="100000"/>
+              <a:buSzPts val="2400"/>
+              <a:buNone/>
               <a:defRPr sz="2400"/>
             </a:lvl3pPr>
             <a:lvl4pPr lvl="3">
               <a:spcBef>
                 <a:spcPts val="0"/>
               </a:spcBef>
-              <a:buSzPct val="100000"/>
+              <a:buSzPts val="2400"/>
+              <a:buNone/>
               <a:defRPr sz="2400"/>
             </a:lvl4pPr>
             <a:lvl5pPr lvl="4">
               <a:spcBef>
                 <a:spcPts val="0"/>
               </a:spcBef>
-              <a:buSzPct val="100000"/>
+              <a:buSzPts val="2400"/>
+              <a:buNone/>
               <a:defRPr sz="2400"/>
             </a:lvl5pPr>
             <a:lvl6pPr lvl="5">
               <a:spcBef>
                 <a:spcPts val="0"/>
               </a:spcBef>
-              <a:buSzPct val="100000"/>
+              <a:buSzPts val="2400"/>
+              <a:buNone/>
               <a:defRPr sz="2400"/>
             </a:lvl6pPr>
             <a:lvl7pPr lvl="6">
               <a:spcBef>
                 <a:spcPts val="0"/>
               </a:spcBef>
-              <a:buSzPct val="100000"/>
+              <a:buSzPts val="2400"/>
+              <a:buNone/>
               <a:defRPr sz="2400"/>
             </a:lvl7pPr>
             <a:lvl8pPr lvl="7">
               <a:spcBef>
                 <a:spcPts val="0"/>
               </a:spcBef>
-              <a:buSzPct val="100000"/>
+              <a:buSzPts val="2400"/>
+              <a:buNone/>
               <a:defRPr sz="2400"/>
             </a:lvl8pPr>
             <a:lvl9pPr lvl="8">
               <a:spcBef>
                 <a:spcPts val="0"/>
               </a:spcBef>
-              <a:buSzPct val="100000"/>
+              <a:buSzPts val="2400"/>
+              <a:buNone/>
               <a:defRPr sz="2400"/>
             </a:lvl9pPr>
           </a:lstStyle>
@@ -2009,63 +2153,72 @@
               <a:spcBef>
                 <a:spcPts val="0"/>
               </a:spcBef>
-              <a:buSzPct val="100000"/>
+              <a:buSzPts val="1200"/>
+              <a:buChar char="●"/>
               <a:defRPr sz="1200"/>
             </a:lvl1pPr>
             <a:lvl2pPr lvl="1">
               <a:spcBef>
                 <a:spcPts val="0"/>
               </a:spcBef>
-              <a:buSzPct val="100000"/>
+              <a:buSzPts val="1200"/>
+              <a:buChar char="○"/>
               <a:defRPr sz="1200"/>
             </a:lvl2pPr>
             <a:lvl3pPr lvl="2">
               <a:spcBef>
                 <a:spcPts val="0"/>
               </a:spcBef>
-              <a:buSzPct val="100000"/>
+              <a:buSzPts val="1200"/>
+              <a:buChar char="■"/>
               <a:defRPr sz="1200"/>
             </a:lvl3pPr>
             <a:lvl4pPr lvl="3">
               <a:spcBef>
                 <a:spcPts val="0"/>
               </a:spcBef>
-              <a:buSzPct val="100000"/>
+              <a:buSzPts val="1200"/>
+              <a:buChar char="●"/>
               <a:defRPr sz="1200"/>
             </a:lvl4pPr>
             <a:lvl5pPr lvl="4">
               <a:spcBef>
                 <a:spcPts val="0"/>
               </a:spcBef>
-              <a:buSzPct val="100000"/>
+              <a:buSzPts val="1200"/>
+              <a:buChar char="○"/>
               <a:defRPr sz="1200"/>
             </a:lvl5pPr>
             <a:lvl6pPr lvl="5">
               <a:spcBef>
                 <a:spcPts val="0"/>
               </a:spcBef>
-              <a:buSzPct val="100000"/>
+              <a:buSzPts val="1200"/>
+              <a:buChar char="■"/>
               <a:defRPr sz="1200"/>
             </a:lvl6pPr>
             <a:lvl7pPr lvl="6">
               <a:spcBef>
                 <a:spcPts val="0"/>
               </a:spcBef>
-              <a:buSzPct val="100000"/>
+              <a:buSzPts val="1200"/>
+              <a:buChar char="●"/>
               <a:defRPr sz="1200"/>
             </a:lvl7pPr>
             <a:lvl8pPr lvl="7">
               <a:spcBef>
                 <a:spcPts val="0"/>
               </a:spcBef>
-              <a:buSzPct val="100000"/>
+              <a:buSzPts val="1200"/>
+              <a:buChar char="○"/>
               <a:defRPr sz="1200"/>
             </a:lvl8pPr>
             <a:lvl9pPr lvl="8">
               <a:spcBef>
                 <a:spcPts val="0"/>
               </a:spcBef>
-              <a:buSzPct val="100000"/>
+              <a:buSzPts val="1200"/>
+              <a:buChar char="■"/>
               <a:defRPr sz="1200"/>
             </a:lvl9pPr>
           </a:lstStyle>
@@ -2095,7 +2248,7 @@
           </a:bodyPr>
           <a:lstStyle/>
           <a:p>
-            <a:pPr lvl="0">
+            <a:pPr indent="0" lvl="0" marL="0">
               <a:spcBef>
                 <a:spcPts val="0"/>
               </a:spcBef>
@@ -2157,63 +2310,72 @@
               <a:spcBef>
                 <a:spcPts val="0"/>
               </a:spcBef>
-              <a:buSzPct val="100000"/>
+              <a:buSzPts val="4800"/>
+              <a:buNone/>
               <a:defRPr sz="4800"/>
             </a:lvl1pPr>
             <a:lvl2pPr lvl="1">
               <a:spcBef>
                 <a:spcPts val="0"/>
               </a:spcBef>
-              <a:buSzPct val="100000"/>
+              <a:buSzPts val="4800"/>
+              <a:buNone/>
               <a:defRPr sz="4800"/>
             </a:lvl2pPr>
             <a:lvl3pPr lvl="2">
               <a:spcBef>
                 <a:spcPts val="0"/>
               </a:spcBef>
-              <a:buSzPct val="100000"/>
+              <a:buSzPts val="4800"/>
+              <a:buNone/>
               <a:defRPr sz="4800"/>
             </a:lvl3pPr>
             <a:lvl4pPr lvl="3">
               <a:spcBef>
                 <a:spcPts val="0"/>
               </a:spcBef>
-              <a:buSzPct val="100000"/>
+              <a:buSzPts val="4800"/>
+              <a:buNone/>
               <a:defRPr sz="4800"/>
             </a:lvl4pPr>
             <a:lvl5pPr lvl="4">
               <a:spcBef>
                 <a:spcPts val="0"/>
               </a:spcBef>
-              <a:buSzPct val="100000"/>
+              <a:buSzPts val="4800"/>
+              <a:buNone/>
               <a:defRPr sz="4800"/>
             </a:lvl5pPr>
             <a:lvl6pPr lvl="5">
               <a:spcBef>
                 <a:spcPts val="0"/>
               </a:spcBef>
-              <a:buSzPct val="100000"/>
+              <a:buSzPts val="4800"/>
+              <a:buNone/>
               <a:defRPr sz="4800"/>
             </a:lvl6pPr>
             <a:lvl7pPr lvl="6">
               <a:spcBef>
                 <a:spcPts val="0"/>
               </a:spcBef>
-              <a:buSzPct val="100000"/>
+              <a:buSzPts val="4800"/>
+              <a:buNone/>
               <a:defRPr sz="4800"/>
             </a:lvl7pPr>
             <a:lvl8pPr lvl="7">
               <a:spcBef>
                 <a:spcPts val="0"/>
               </a:spcBef>
-              <a:buSzPct val="100000"/>
+              <a:buSzPts val="4800"/>
+              <a:buNone/>
               <a:defRPr sz="4800"/>
             </a:lvl8pPr>
             <a:lvl9pPr lvl="8">
               <a:spcBef>
                 <a:spcPts val="0"/>
               </a:spcBef>
-              <a:buSzPct val="100000"/>
+              <a:buSzPts val="4800"/>
+              <a:buNone/>
               <a:defRPr sz="4800"/>
             </a:lvl9pPr>
           </a:lstStyle>
@@ -2243,7 +2405,7 @@
           </a:bodyPr>
           <a:lstStyle/>
           <a:p>
-            <a:pPr lvl="0">
+            <a:pPr indent="0" lvl="0" marL="0">
               <a:spcBef>
                 <a:spcPts val="0"/>
               </a:spcBef>
@@ -2308,7 +2470,7 @@
           </a:bodyPr>
           <a:lstStyle/>
           <a:p>
-            <a:pPr lvl="0">
+            <a:pPr indent="0" lvl="0" marL="0">
               <a:spcBef>
                 <a:spcPts val="0"/>
               </a:spcBef>
@@ -2345,63 +2507,72 @@
               <a:spcBef>
                 <a:spcPts val="0"/>
               </a:spcBef>
-              <a:buSzPct val="100000"/>
+              <a:buSzPts val="4200"/>
+              <a:buNone/>
               <a:defRPr sz="4200"/>
             </a:lvl1pPr>
             <a:lvl2pPr lvl="1" algn="ctr">
               <a:spcBef>
                 <a:spcPts val="0"/>
               </a:spcBef>
-              <a:buSzPct val="100000"/>
+              <a:buSzPts val="4200"/>
+              <a:buNone/>
               <a:defRPr sz="4200"/>
             </a:lvl2pPr>
             <a:lvl3pPr lvl="2" algn="ctr">
               <a:spcBef>
                 <a:spcPts val="0"/>
               </a:spcBef>
-              <a:buSzPct val="100000"/>
+              <a:buSzPts val="4200"/>
+              <a:buNone/>
               <a:defRPr sz="4200"/>
             </a:lvl3pPr>
             <a:lvl4pPr lvl="3" algn="ctr">
               <a:spcBef>
                 <a:spcPts val="0"/>
               </a:spcBef>
-              <a:buSzPct val="100000"/>
+              <a:buSzPts val="4200"/>
+              <a:buNone/>
               <a:defRPr sz="4200"/>
             </a:lvl4pPr>
             <a:lvl5pPr lvl="4" algn="ctr">
               <a:spcBef>
                 <a:spcPts val="0"/>
               </a:spcBef>
-              <a:buSzPct val="100000"/>
+              <a:buSzPts val="4200"/>
+              <a:buNone/>
               <a:defRPr sz="4200"/>
             </a:lvl5pPr>
             <a:lvl6pPr lvl="5" algn="ctr">
               <a:spcBef>
                 <a:spcPts val="0"/>
               </a:spcBef>
-              <a:buSzPct val="100000"/>
+              <a:buSzPts val="4200"/>
+              <a:buNone/>
               <a:defRPr sz="4200"/>
             </a:lvl6pPr>
             <a:lvl7pPr lvl="6" algn="ctr">
               <a:spcBef>
                 <a:spcPts val="0"/>
               </a:spcBef>
-              <a:buSzPct val="100000"/>
+              <a:buSzPts val="4200"/>
+              <a:buNone/>
               <a:defRPr sz="4200"/>
             </a:lvl7pPr>
             <a:lvl8pPr lvl="7" algn="ctr">
               <a:spcBef>
                 <a:spcPts val="0"/>
               </a:spcBef>
-              <a:buSzPct val="100000"/>
+              <a:buSzPts val="4200"/>
+              <a:buNone/>
               <a:defRPr sz="4200"/>
             </a:lvl8pPr>
             <a:lvl9pPr lvl="8" algn="ctr">
               <a:spcBef>
                 <a:spcPts val="0"/>
               </a:spcBef>
-              <a:buSzPct val="100000"/>
+              <a:buSzPts val="4200"/>
+              <a:buNone/>
               <a:defRPr sz="4200"/>
             </a:lvl9pPr>
           </a:lstStyle>
@@ -2438,7 +2609,7 @@
               <a:spcAft>
                 <a:spcPts val="0"/>
               </a:spcAft>
-              <a:buSzPct val="100000"/>
+              <a:buSzPts val="2100"/>
               <a:buNone/>
               <a:defRPr sz="2100"/>
             </a:lvl1pPr>
@@ -2452,7 +2623,7 @@
               <a:spcAft>
                 <a:spcPts val="0"/>
               </a:spcAft>
-              <a:buSzPct val="100000"/>
+              <a:buSzPts val="2100"/>
               <a:buNone/>
               <a:defRPr sz="2100"/>
             </a:lvl2pPr>
@@ -2466,7 +2637,7 @@
               <a:spcAft>
                 <a:spcPts val="0"/>
               </a:spcAft>
-              <a:buSzPct val="100000"/>
+              <a:buSzPts val="2100"/>
               <a:buNone/>
               <a:defRPr sz="2100"/>
             </a:lvl3pPr>
@@ -2480,7 +2651,7 @@
               <a:spcAft>
                 <a:spcPts val="0"/>
               </a:spcAft>
-              <a:buSzPct val="100000"/>
+              <a:buSzPts val="2100"/>
               <a:buNone/>
               <a:defRPr sz="2100"/>
             </a:lvl4pPr>
@@ -2494,7 +2665,7 @@
               <a:spcAft>
                 <a:spcPts val="0"/>
               </a:spcAft>
-              <a:buSzPct val="100000"/>
+              <a:buSzPts val="2100"/>
               <a:buNone/>
               <a:defRPr sz="2100"/>
             </a:lvl5pPr>
@@ -2508,7 +2679,7 @@
               <a:spcAft>
                 <a:spcPts val="0"/>
               </a:spcAft>
-              <a:buSzPct val="100000"/>
+              <a:buSzPts val="2100"/>
               <a:buNone/>
               <a:defRPr sz="2100"/>
             </a:lvl6pPr>
@@ -2522,7 +2693,7 @@
               <a:spcAft>
                 <a:spcPts val="0"/>
               </a:spcAft>
-              <a:buSzPct val="100000"/>
+              <a:buSzPts val="2100"/>
               <a:buNone/>
               <a:defRPr sz="2100"/>
             </a:lvl7pPr>
@@ -2536,7 +2707,7 @@
               <a:spcAft>
                 <a:spcPts val="0"/>
               </a:spcAft>
-              <a:buSzPct val="100000"/>
+              <a:buSzPts val="2100"/>
               <a:buNone/>
               <a:defRPr sz="2100"/>
             </a:lvl8pPr>
@@ -2550,7 +2721,7 @@
               <a:spcAft>
                 <a:spcPts val="0"/>
               </a:spcAft>
-              <a:buSzPct val="100000"/>
+              <a:buSzPts val="2100"/>
               <a:buNone/>
               <a:defRPr sz="2100"/>
             </a:lvl9pPr>
@@ -2582,54 +2753,72 @@
               <a:spcBef>
                 <a:spcPts val="0"/>
               </a:spcBef>
+              <a:buSzPts val="1800"/>
+              <a:buChar char="●"/>
               <a:defRPr/>
             </a:lvl1pPr>
             <a:lvl2pPr lvl="1">
               <a:spcBef>
                 <a:spcPts val="0"/>
               </a:spcBef>
+              <a:buSzPts val="1400"/>
+              <a:buChar char="○"/>
               <a:defRPr/>
             </a:lvl2pPr>
             <a:lvl3pPr lvl="2">
               <a:spcBef>
                 <a:spcPts val="0"/>
               </a:spcBef>
+              <a:buSzPts val="1400"/>
+              <a:buChar char="■"/>
               <a:defRPr/>
             </a:lvl3pPr>
             <a:lvl4pPr lvl="3">
               <a:spcBef>
                 <a:spcPts val="0"/>
               </a:spcBef>
+              <a:buSzPts val="1400"/>
+              <a:buChar char="●"/>
               <a:defRPr/>
             </a:lvl4pPr>
             <a:lvl5pPr lvl="4">
               <a:spcBef>
                 <a:spcPts val="0"/>
               </a:spcBef>
+              <a:buSzPts val="1400"/>
+              <a:buChar char="○"/>
               <a:defRPr/>
             </a:lvl5pPr>
             <a:lvl6pPr lvl="5">
               <a:spcBef>
                 <a:spcPts val="0"/>
               </a:spcBef>
+              <a:buSzPts val="1400"/>
+              <a:buChar char="■"/>
               <a:defRPr/>
             </a:lvl6pPr>
             <a:lvl7pPr lvl="6">
               <a:spcBef>
                 <a:spcPts val="0"/>
               </a:spcBef>
+              <a:buSzPts val="1400"/>
+              <a:buChar char="●"/>
               <a:defRPr/>
             </a:lvl7pPr>
             <a:lvl8pPr lvl="7">
               <a:spcBef>
                 <a:spcPts val="0"/>
               </a:spcBef>
+              <a:buSzPts val="1400"/>
+              <a:buChar char="○"/>
               <a:defRPr/>
             </a:lvl8pPr>
             <a:lvl9pPr lvl="8">
               <a:spcBef>
                 <a:spcPts val="0"/>
               </a:spcBef>
+              <a:buSzPts val="1400"/>
+              <a:buChar char="■"/>
               <a:defRPr/>
             </a:lvl9pPr>
           </a:lstStyle>
@@ -2659,7 +2848,7 @@
           </a:bodyPr>
           <a:lstStyle/>
           <a:p>
-            <a:pPr lvl="0">
+            <a:pPr indent="0" lvl="0" marL="0">
               <a:spcBef>
                 <a:spcPts val="0"/>
               </a:spcBef>
@@ -2727,6 +2916,7 @@
               <a:spcAft>
                 <a:spcPts val="0"/>
               </a:spcAft>
+              <a:buSzPts val="1800"/>
               <a:buNone/>
               <a:defRPr/>
             </a:lvl1pPr>
@@ -2757,7 +2947,7 @@
           </a:bodyPr>
           <a:lstStyle/>
           <a:p>
-            <a:pPr lvl="0">
+            <a:pPr indent="0" lvl="0" marL="0">
               <a:spcBef>
                 <a:spcPts val="0"/>
               </a:spcBef>
@@ -2833,7 +3023,7 @@
               <a:buClr>
                 <a:schemeClr val="dk1"/>
               </a:buClr>
-              <a:buSzPct val="100000"/>
+              <a:buSzPts val="2800"/>
               <a:buNone/>
               <a:defRPr sz="2800">
                 <a:solidFill>
@@ -2848,7 +3038,7 @@
               <a:buClr>
                 <a:schemeClr val="dk1"/>
               </a:buClr>
-              <a:buSzPct val="100000"/>
+              <a:buSzPts val="2800"/>
               <a:buNone/>
               <a:defRPr sz="2800">
                 <a:solidFill>
@@ -2863,7 +3053,7 @@
               <a:buClr>
                 <a:schemeClr val="dk1"/>
               </a:buClr>
-              <a:buSzPct val="100000"/>
+              <a:buSzPts val="2800"/>
               <a:buNone/>
               <a:defRPr sz="2800">
                 <a:solidFill>
@@ -2878,7 +3068,7 @@
               <a:buClr>
                 <a:schemeClr val="dk1"/>
               </a:buClr>
-              <a:buSzPct val="100000"/>
+              <a:buSzPts val="2800"/>
               <a:buNone/>
               <a:defRPr sz="2800">
                 <a:solidFill>
@@ -2893,7 +3083,7 @@
               <a:buClr>
                 <a:schemeClr val="dk1"/>
               </a:buClr>
-              <a:buSzPct val="100000"/>
+              <a:buSzPts val="2800"/>
               <a:buNone/>
               <a:defRPr sz="2800">
                 <a:solidFill>
@@ -2908,7 +3098,7 @@
               <a:buClr>
                 <a:schemeClr val="dk1"/>
               </a:buClr>
-              <a:buSzPct val="100000"/>
+              <a:buSzPts val="2800"/>
               <a:buNone/>
               <a:defRPr sz="2800">
                 <a:solidFill>
@@ -2923,7 +3113,7 @@
               <a:buClr>
                 <a:schemeClr val="dk1"/>
               </a:buClr>
-              <a:buSzPct val="100000"/>
+              <a:buSzPts val="2800"/>
               <a:buNone/>
               <a:defRPr sz="2800">
                 <a:solidFill>
@@ -2938,7 +3128,7 @@
               <a:buClr>
                 <a:schemeClr val="dk1"/>
               </a:buClr>
-              <a:buSzPct val="100000"/>
+              <a:buSzPts val="2800"/>
               <a:buNone/>
               <a:defRPr sz="2800">
                 <a:solidFill>
@@ -2953,7 +3143,7 @@
               <a:buClr>
                 <a:schemeClr val="dk1"/>
               </a:buClr>
-              <a:buSzPct val="100000"/>
+              <a:buSzPts val="2800"/>
               <a:buNone/>
               <a:defRPr sz="2800">
                 <a:solidFill>
@@ -3002,7 +3192,7 @@
               <a:buClr>
                 <a:schemeClr val="dk2"/>
               </a:buClr>
-              <a:buSzPct val="100000"/>
+              <a:buSzPts val="1800"/>
               <a:buChar char="●"/>
               <a:defRPr sz="1800">
                 <a:solidFill>
@@ -3023,6 +3213,7 @@
               <a:buClr>
                 <a:schemeClr val="dk2"/>
               </a:buClr>
+              <a:buSzPts val="1400"/>
               <a:buChar char="○"/>
               <a:defRPr>
                 <a:solidFill>
@@ -3043,6 +3234,7 @@
               <a:buClr>
                 <a:schemeClr val="dk2"/>
               </a:buClr>
+              <a:buSzPts val="1400"/>
               <a:buChar char="■"/>
               <a:defRPr>
                 <a:solidFill>
@@ -3063,6 +3255,7 @@
               <a:buClr>
                 <a:schemeClr val="dk2"/>
               </a:buClr>
+              <a:buSzPts val="1400"/>
               <a:buChar char="●"/>
               <a:defRPr>
                 <a:solidFill>
@@ -3083,6 +3276,7 @@
               <a:buClr>
                 <a:schemeClr val="dk2"/>
               </a:buClr>
+              <a:buSzPts val="1400"/>
               <a:buChar char="○"/>
               <a:defRPr>
                 <a:solidFill>
@@ -3103,6 +3297,7 @@
               <a:buClr>
                 <a:schemeClr val="dk2"/>
               </a:buClr>
+              <a:buSzPts val="1400"/>
               <a:buChar char="■"/>
               <a:defRPr>
                 <a:solidFill>
@@ -3123,6 +3318,7 @@
               <a:buClr>
                 <a:schemeClr val="dk2"/>
               </a:buClr>
+              <a:buSzPts val="1400"/>
               <a:buChar char="●"/>
               <a:defRPr>
                 <a:solidFill>
@@ -3143,6 +3339,7 @@
               <a:buClr>
                 <a:schemeClr val="dk2"/>
               </a:buClr>
+              <a:buSzPts val="1400"/>
               <a:buChar char="○"/>
               <a:defRPr>
                 <a:solidFill>
@@ -3163,6 +3360,7 @@
               <a:buClr>
                 <a:schemeClr val="dk2"/>
               </a:buClr>
+              <a:buSzPts val="1400"/>
               <a:buChar char="■"/>
               <a:defRPr>
                 <a:solidFill>
@@ -3201,7 +3399,7 @@
           </a:bodyPr>
           <a:lstStyle/>
           <a:p>
-            <a:pPr lvl="0" algn="r">
+            <a:pPr indent="0" lvl="0" marL="0" algn="r">
               <a:spcBef>
                 <a:spcPts val="0"/>
               </a:spcBef>
@@ -3703,7 +3901,7 @@
         </p:nvSpPr>
         <p:spPr>
           <a:xfrm>
-            <a:off x="2201125" y="107450"/>
+            <a:off x="2582950" y="107450"/>
             <a:ext cx="1469700" cy="560400"/>
           </a:xfrm>
           <a:prstGeom prst="rect">
@@ -3726,7 +3924,7 @@
           </a:bodyPr>
           <a:lstStyle/>
           <a:p>
-            <a:pPr lvl="0" rtl="0" algn="ctr">
+            <a:pPr indent="0" lvl="0" marL="0" rtl="0" algn="ctr">
               <a:spcBef>
                 <a:spcPts val="0"/>
               </a:spcBef>
@@ -3738,7 +3936,7 @@
             </a:r>
           </a:p>
           <a:p>
-            <a:pPr lvl="0" algn="ctr">
+            <a:pPr indent="0" lvl="0" marL="0" algn="ctr">
               <a:spcBef>
                 <a:spcPts val="0"/>
               </a:spcBef>
@@ -3750,7 +3948,7 @@
             </a:r>
           </a:p>
           <a:p>
-            <a:pPr lvl="0">
+            <a:pPr indent="0" lvl="0" marL="0">
               <a:spcBef>
                 <a:spcPts val="0"/>
               </a:spcBef>
@@ -3762,7 +3960,7 @@
             <a:endParaRPr sz="800"/>
           </a:p>
           <a:p>
-            <a:pPr lvl="0">
+            <a:pPr indent="0" lvl="0" marL="0">
               <a:spcBef>
                 <a:spcPts val="0"/>
               </a:spcBef>
@@ -3783,7 +3981,7 @@
         </p:nvSpPr>
         <p:spPr>
           <a:xfrm>
-            <a:off x="2176800" y="2240013"/>
+            <a:off x="4208100" y="1268288"/>
             <a:ext cx="1863600" cy="590700"/>
           </a:xfrm>
           <a:prstGeom prst="rect">
@@ -3806,7 +4004,7 @@
           </a:bodyPr>
           <a:lstStyle/>
           <a:p>
-            <a:pPr lvl="0" rtl="0" algn="ctr">
+            <a:pPr indent="0" lvl="0" marL="0" rtl="0" algn="ctr">
               <a:spcBef>
                 <a:spcPts val="0"/>
               </a:spcBef>
@@ -3818,7 +4016,7 @@
             </a:r>
           </a:p>
           <a:p>
-            <a:pPr lvl="0" rtl="0" algn="ctr">
+            <a:pPr indent="0" lvl="0" marL="0" rtl="0" algn="ctr">
               <a:spcBef>
                 <a:spcPts val="0"/>
               </a:spcBef>
@@ -3830,7 +4028,7 @@
             </a:r>
           </a:p>
           <a:p>
-            <a:pPr lvl="0" algn="ctr">
+            <a:pPr indent="0" lvl="0" marL="0" algn="ctr">
               <a:spcBef>
                 <a:spcPts val="0"/>
               </a:spcBef>
@@ -3851,8 +4049,8 @@
         </p:nvSpPr>
         <p:spPr>
           <a:xfrm>
-            <a:off x="308575" y="2242725"/>
-            <a:ext cx="1469700" cy="688500"/>
+            <a:off x="1578200" y="969313"/>
+            <a:ext cx="1214400" cy="796800"/>
           </a:xfrm>
           <a:prstGeom prst="rect">
             <a:avLst/>
@@ -3874,7 +4072,7 @@
           </a:bodyPr>
           <a:lstStyle/>
           <a:p>
-            <a:pPr lvl="0" rtl="0" algn="ctr">
+            <a:pPr indent="0" lvl="0" marL="0" rtl="0" algn="ctr">
               <a:spcBef>
                 <a:spcPts val="0"/>
               </a:spcBef>
@@ -3886,7 +4084,7 @@
             </a:r>
           </a:p>
           <a:p>
-            <a:pPr lvl="0" rtl="0" algn="ctr">
+            <a:pPr indent="0" lvl="0" marL="0" rtl="0" algn="ctr">
               <a:spcBef>
                 <a:spcPts val="0"/>
               </a:spcBef>
@@ -3898,7 +4096,7 @@
             </a:r>
           </a:p>
           <a:p>
-            <a:pPr lvl="0" rtl="0">
+            <a:pPr indent="0" lvl="0" marL="0" rtl="0">
               <a:spcBef>
                 <a:spcPts val="0"/>
               </a:spcBef>
@@ -3910,7 +4108,7 @@
             <a:endParaRPr sz="800"/>
           </a:p>
           <a:p>
-            <a:pPr lvl="0" rtl="0">
+            <a:pPr indent="0" lvl="0" marL="0" rtl="0">
               <a:spcBef>
                 <a:spcPts val="0"/>
               </a:spcBef>
@@ -3931,8 +4129,8 @@
         </p:nvSpPr>
         <p:spPr>
           <a:xfrm>
-            <a:off x="308575" y="3450025"/>
-            <a:ext cx="1469700" cy="560400"/>
+            <a:off x="64450" y="200750"/>
+            <a:ext cx="960600" cy="560400"/>
           </a:xfrm>
           <a:prstGeom prst="rect">
             <a:avLst/>
@@ -3954,7 +4152,7 @@
           </a:bodyPr>
           <a:lstStyle/>
           <a:p>
-            <a:pPr lvl="0" rtl="0" algn="ctr">
+            <a:pPr indent="0" lvl="0" marL="0" rtl="0" algn="ctr">
               <a:spcBef>
                 <a:spcPts val="0"/>
               </a:spcBef>
@@ -3966,7 +4164,7 @@
             </a:r>
           </a:p>
           <a:p>
-            <a:pPr lvl="0" rtl="0" algn="ctr">
+            <a:pPr indent="0" lvl="0" marL="0" rtl="0" algn="ctr">
               <a:spcBef>
                 <a:spcPts val="0"/>
               </a:spcBef>
@@ -3978,7 +4176,7 @@
             </a:r>
           </a:p>
           <a:p>
-            <a:pPr lvl="0" rtl="0">
+            <a:pPr indent="0" lvl="0" marL="0" rtl="0">
               <a:spcBef>
                 <a:spcPts val="0"/>
               </a:spcBef>
@@ -3990,7 +4188,7 @@
             <a:endParaRPr sz="800"/>
           </a:p>
           <a:p>
-            <a:pPr lvl="0" rtl="0">
+            <a:pPr indent="0" lvl="0" marL="0" rtl="0">
               <a:spcBef>
                 <a:spcPts val="0"/>
               </a:spcBef>
@@ -4011,8 +4209,8 @@
         </p:nvSpPr>
         <p:spPr>
           <a:xfrm>
-            <a:off x="7475925" y="857900"/>
-            <a:ext cx="1469700" cy="420300"/>
+            <a:off x="7986300" y="107450"/>
+            <a:ext cx="1157700" cy="420300"/>
           </a:xfrm>
           <a:prstGeom prst="rect">
             <a:avLst/>
@@ -4034,7 +4232,7 @@
           </a:bodyPr>
           <a:lstStyle/>
           <a:p>
-            <a:pPr lvl="0" rtl="0" algn="ctr">
+            <a:pPr indent="0" lvl="0" marL="0" rtl="0" algn="ctr">
               <a:spcBef>
                 <a:spcPts val="0"/>
               </a:spcBef>
@@ -4046,7 +4244,7 @@
             </a:r>
           </a:p>
           <a:p>
-            <a:pPr lvl="0" rtl="0" algn="ctr">
+            <a:pPr indent="0" lvl="0" marL="0" rtl="0" algn="ctr">
               <a:spcBef>
                 <a:spcPts val="0"/>
               </a:spcBef>
@@ -4058,7 +4256,7 @@
             </a:r>
           </a:p>
           <a:p>
-            <a:pPr lvl="0" rtl="0" algn="ctr">
+            <a:pPr indent="0" lvl="0" marL="0" rtl="0" algn="ctr">
               <a:spcBef>
                 <a:spcPts val="0"/>
               </a:spcBef>
@@ -4070,7 +4268,7 @@
             <a:endParaRPr sz="800"/>
           </a:p>
           <a:p>
-            <a:pPr lvl="0" rtl="0">
+            <a:pPr indent="0" lvl="0" marL="0" rtl="0">
               <a:spcBef>
                 <a:spcPts val="0"/>
               </a:spcBef>
@@ -4082,7 +4280,7 @@
             <a:endParaRPr sz="800"/>
           </a:p>
           <a:p>
-            <a:pPr lvl="0" rtl="0">
+            <a:pPr indent="0" lvl="0" marL="0" rtl="0">
               <a:spcBef>
                 <a:spcPts val="0"/>
               </a:spcBef>
@@ -4103,8 +4301,8 @@
         </p:nvSpPr>
         <p:spPr>
           <a:xfrm>
-            <a:off x="5916450" y="107450"/>
-            <a:ext cx="1469700" cy="420300"/>
+            <a:off x="6828588" y="107450"/>
+            <a:ext cx="960600" cy="420300"/>
           </a:xfrm>
           <a:prstGeom prst="rect">
             <a:avLst/>
@@ -4126,7 +4324,7 @@
           </a:bodyPr>
           <a:lstStyle/>
           <a:p>
-            <a:pPr lvl="0" rtl="0" algn="ctr">
+            <a:pPr indent="0" lvl="0" marL="0" rtl="0" algn="ctr">
               <a:spcBef>
                 <a:spcPts val="0"/>
               </a:spcBef>
@@ -4138,7 +4336,7 @@
             </a:r>
           </a:p>
           <a:p>
-            <a:pPr lvl="0" rtl="0" algn="ctr">
+            <a:pPr indent="0" lvl="0" marL="0" rtl="0" algn="ctr">
               <a:spcBef>
                 <a:spcPts val="0"/>
               </a:spcBef>
@@ -4150,7 +4348,7 @@
             </a:r>
           </a:p>
           <a:p>
-            <a:pPr lvl="0" rtl="0">
+            <a:pPr indent="0" lvl="0" marL="0" rtl="0">
               <a:spcBef>
                 <a:spcPts val="0"/>
               </a:spcBef>
@@ -4162,7 +4360,7 @@
             <a:endParaRPr sz="800"/>
           </a:p>
           <a:p>
-            <a:pPr lvl="0" rtl="0">
+            <a:pPr indent="0" lvl="0" marL="0" rtl="0">
               <a:spcBef>
                 <a:spcPts val="0"/>
               </a:spcBef>
@@ -4183,8 +4381,8 @@
         </p:nvSpPr>
         <p:spPr>
           <a:xfrm>
-            <a:off x="5916450" y="857900"/>
-            <a:ext cx="1469700" cy="420300"/>
+            <a:off x="5923950" y="644750"/>
+            <a:ext cx="800100" cy="420300"/>
           </a:xfrm>
           <a:prstGeom prst="rect">
             <a:avLst/>
@@ -4206,7 +4404,7 @@
           </a:bodyPr>
           <a:lstStyle/>
           <a:p>
-            <a:pPr lvl="0" rtl="0" algn="ctr">
+            <a:pPr indent="0" lvl="0" marL="0" rtl="0" algn="ctr">
               <a:spcBef>
                 <a:spcPts val="0"/>
               </a:spcBef>
@@ -4218,7 +4416,7 @@
             </a:r>
           </a:p>
           <a:p>
-            <a:pPr lvl="0" rtl="0" algn="ctr">
+            <a:pPr indent="0" lvl="0" marL="0" rtl="0" algn="ctr">
               <a:spcBef>
                 <a:spcPts val="0"/>
               </a:spcBef>
@@ -4230,7 +4428,7 @@
             </a:r>
           </a:p>
           <a:p>
-            <a:pPr lvl="0" rtl="0">
+            <a:pPr indent="0" lvl="0" marL="0" rtl="0">
               <a:spcBef>
                 <a:spcPts val="0"/>
               </a:spcBef>
@@ -4251,8 +4449,8 @@
         </p:nvSpPr>
         <p:spPr>
           <a:xfrm>
-            <a:off x="4099650" y="827325"/>
-            <a:ext cx="1469700" cy="560400"/>
+            <a:off x="6796275" y="644738"/>
+            <a:ext cx="1117800" cy="560400"/>
           </a:xfrm>
           <a:prstGeom prst="rect">
             <a:avLst/>
@@ -4274,7 +4472,7 @@
           </a:bodyPr>
           <a:lstStyle/>
           <a:p>
-            <a:pPr lvl="0" rtl="0" algn="ctr">
+            <a:pPr indent="0" lvl="0" marL="0" rtl="0" algn="ctr">
               <a:spcBef>
                 <a:spcPts val="0"/>
               </a:spcBef>
@@ -4286,7 +4484,7 @@
             </a:r>
           </a:p>
           <a:p>
-            <a:pPr lvl="0" rtl="0" algn="ctr">
+            <a:pPr indent="0" lvl="0" marL="0" rtl="0" algn="ctr">
               <a:spcBef>
                 <a:spcPts val="0"/>
               </a:spcBef>
@@ -4298,7 +4496,7 @@
             </a:r>
           </a:p>
           <a:p>
-            <a:pPr lvl="0" rtl="0">
+            <a:pPr indent="0" lvl="0" marL="0" rtl="0">
               <a:spcBef>
                 <a:spcPts val="0"/>
               </a:spcBef>
@@ -4310,7 +4508,7 @@
             <a:endParaRPr sz="800"/>
           </a:p>
           <a:p>
-            <a:pPr lvl="0" rtl="0">
+            <a:pPr indent="0" lvl="0" marL="0" rtl="0">
               <a:spcBef>
                 <a:spcPts val="0"/>
               </a:spcBef>
@@ -4331,8 +4529,8 @@
         </p:nvSpPr>
         <p:spPr>
           <a:xfrm>
-            <a:off x="5181600" y="2240013"/>
-            <a:ext cx="1469700" cy="796800"/>
+            <a:off x="2869175" y="2571688"/>
+            <a:ext cx="1026000" cy="945300"/>
           </a:xfrm>
           <a:prstGeom prst="rect">
             <a:avLst/>
@@ -4354,7 +4552,7 @@
           </a:bodyPr>
           <a:lstStyle/>
           <a:p>
-            <a:pPr lvl="0" rtl="0" algn="ctr">
+            <a:pPr indent="0" lvl="0" marL="0" rtl="0" algn="ctr">
               <a:spcBef>
                 <a:spcPts val="0"/>
               </a:spcBef>
@@ -4366,7 +4564,7 @@
             </a:r>
           </a:p>
           <a:p>
-            <a:pPr lvl="0" rtl="0" algn="ctr">
+            <a:pPr indent="0" lvl="0" marL="0" rtl="0" algn="ctr">
               <a:spcBef>
                 <a:spcPts val="0"/>
               </a:spcBef>
@@ -4378,7 +4576,7 @@
             </a:r>
           </a:p>
           <a:p>
-            <a:pPr lvl="0" rtl="0">
+            <a:pPr indent="0" lvl="0" marL="0" rtl="0">
               <a:spcBef>
                 <a:spcPts val="0"/>
               </a:spcBef>
@@ -4390,7 +4588,7 @@
             <a:endParaRPr sz="800"/>
           </a:p>
           <a:p>
-            <a:pPr lvl="0" rtl="0">
+            <a:pPr indent="0" lvl="0" marL="0" rtl="0">
               <a:spcBef>
                 <a:spcPts val="0"/>
               </a:spcBef>
@@ -4411,8 +4609,8 @@
         </p:nvSpPr>
         <p:spPr>
           <a:xfrm>
-            <a:off x="2373738" y="1084575"/>
-            <a:ext cx="1469700" cy="796800"/>
+            <a:off x="4369350" y="73100"/>
+            <a:ext cx="1423200" cy="796800"/>
           </a:xfrm>
           <a:prstGeom prst="rect">
             <a:avLst/>
@@ -4434,7 +4632,7 @@
           </a:bodyPr>
           <a:lstStyle/>
           <a:p>
-            <a:pPr lvl="0" rtl="0" algn="ctr">
+            <a:pPr indent="0" lvl="0" marL="0" rtl="0" algn="ctr">
               <a:spcBef>
                 <a:spcPts val="0"/>
               </a:spcBef>
@@ -4446,7 +4644,7 @@
             </a:r>
           </a:p>
           <a:p>
-            <a:pPr lvl="0" rtl="0" algn="ctr">
+            <a:pPr indent="0" lvl="0" marL="0" rtl="0" algn="ctr">
               <a:spcBef>
                 <a:spcPts val="0"/>
               </a:spcBef>
@@ -4458,7 +4656,7 @@
             </a:r>
           </a:p>
           <a:p>
-            <a:pPr lvl="0" rtl="0">
+            <a:pPr indent="0" lvl="0" marL="0" rtl="0">
               <a:spcBef>
                 <a:spcPts val="0"/>
               </a:spcBef>
@@ -4470,7 +4668,7 @@
             <a:endParaRPr sz="800"/>
           </a:p>
           <a:p>
-            <a:pPr lvl="0" rtl="0">
+            <a:pPr indent="0" lvl="0" marL="0" rtl="0">
               <a:spcBef>
                 <a:spcPts val="0"/>
               </a:spcBef>
@@ -4491,8 +4689,8 @@
         </p:nvSpPr>
         <p:spPr>
           <a:xfrm>
-            <a:off x="172225" y="1175088"/>
-            <a:ext cx="1469700" cy="560400"/>
+            <a:off x="4616350" y="2247963"/>
+            <a:ext cx="926400" cy="655200"/>
           </a:xfrm>
           <a:prstGeom prst="rect">
             <a:avLst/>
@@ -4514,7 +4712,7 @@
           </a:bodyPr>
           <a:lstStyle/>
           <a:p>
-            <a:pPr lvl="0" rtl="0" algn="ctr">
+            <a:pPr indent="0" lvl="0" marL="0" rtl="0" algn="ctr">
               <a:spcBef>
                 <a:spcPts val="0"/>
               </a:spcBef>
@@ -4526,7 +4724,7 @@
             </a:r>
           </a:p>
           <a:p>
-            <a:pPr lvl="0" rtl="0" algn="ctr">
+            <a:pPr indent="0" lvl="0" marL="0" rtl="0" algn="ctr">
               <a:spcBef>
                 <a:spcPts val="0"/>
               </a:spcBef>
@@ -4538,7 +4736,7 @@
             </a:r>
           </a:p>
           <a:p>
-            <a:pPr lvl="0" rtl="0">
+            <a:pPr indent="0" lvl="0" marL="0" rtl="0">
               <a:spcBef>
                 <a:spcPts val="0"/>
               </a:spcBef>
@@ -4550,7 +4748,7 @@
             <a:endParaRPr sz="800"/>
           </a:p>
           <a:p>
-            <a:pPr lvl="0" rtl="0">
+            <a:pPr indent="0" lvl="0" marL="0" rtl="0">
               <a:spcBef>
                 <a:spcPts val="0"/>
               </a:spcBef>
@@ -4571,8 +4769,8 @@
         </p:nvSpPr>
         <p:spPr>
           <a:xfrm>
-            <a:off x="172225" y="107450"/>
-            <a:ext cx="1469700" cy="560400"/>
+            <a:off x="1275450" y="141350"/>
+            <a:ext cx="960600" cy="441900"/>
           </a:xfrm>
           <a:prstGeom prst="rect">
             <a:avLst/>
@@ -4594,7 +4792,7 @@
           </a:bodyPr>
           <a:lstStyle/>
           <a:p>
-            <a:pPr lvl="0" rtl="0" algn="ctr">
+            <a:pPr indent="0" lvl="0" marL="0" rtl="0" algn="ctr">
               <a:spcBef>
                 <a:spcPts val="0"/>
               </a:spcBef>
@@ -4606,7 +4804,7 @@
             </a:r>
           </a:p>
           <a:p>
-            <a:pPr lvl="0" rtl="0" algn="ctr">
+            <a:pPr indent="0" lvl="0" marL="0" rtl="0" algn="ctr">
               <a:spcBef>
                 <a:spcPts val="0"/>
               </a:spcBef>
@@ -4618,7 +4816,7 @@
             </a:r>
           </a:p>
           <a:p>
-            <a:pPr lvl="0" rtl="0">
+            <a:pPr indent="0" lvl="0" marL="0" rtl="0">
               <a:spcBef>
                 <a:spcPts val="0"/>
               </a:spcBef>
@@ -4630,7 +4828,7 @@
             <a:endParaRPr sz="800"/>
           </a:p>
           <a:p>
-            <a:pPr lvl="0" rtl="0">
+            <a:pPr indent="0" lvl="0" marL="0" rtl="0">
               <a:spcBef>
                 <a:spcPts val="0"/>
               </a:spcBef>
@@ -4651,8 +4849,8 @@
         </p:nvSpPr>
         <p:spPr>
           <a:xfrm>
-            <a:off x="2201125" y="4402900"/>
-            <a:ext cx="1469700" cy="560400"/>
+            <a:off x="8102250" y="3983050"/>
+            <a:ext cx="986700" cy="879300"/>
           </a:xfrm>
           <a:prstGeom prst="rect">
             <a:avLst/>
@@ -4674,7 +4872,7 @@
           </a:bodyPr>
           <a:lstStyle/>
           <a:p>
-            <a:pPr lvl="0" rtl="0" algn="ctr">
+            <a:pPr indent="0" lvl="0" marL="0" rtl="0" algn="ctr">
               <a:spcBef>
                 <a:spcPts val="0"/>
               </a:spcBef>
@@ -4686,7 +4884,7 @@
             </a:r>
           </a:p>
           <a:p>
-            <a:pPr lvl="0" rtl="0" algn="ctr">
+            <a:pPr indent="0" lvl="0" marL="0" rtl="0" algn="ctr">
               <a:spcBef>
                 <a:spcPts val="0"/>
               </a:spcBef>
@@ -4694,11 +4892,11 @@
             </a:pPr>
             <a:r>
               <a:rPr lang="en" sz="800"/>
-              <a:t>Type of projectile. Inherits from Projectile class</a:t>
-            </a:r>
-          </a:p>
-          <a:p>
-            <a:pPr lvl="0" rtl="0">
+              <a:t>Background stars. They act like projectiles, so they inherit from projectile class</a:t>
+            </a:r>
+          </a:p>
+          <a:p>
+            <a:pPr indent="0" lvl="0" marL="0" rtl="0">
               <a:spcBef>
                 <a:spcPts val="0"/>
               </a:spcBef>
@@ -4710,7 +4908,7 @@
             <a:endParaRPr sz="800"/>
           </a:p>
           <a:p>
-            <a:pPr lvl="0" rtl="0">
+            <a:pPr indent="0" lvl="0" marL="0" rtl="0">
               <a:spcBef>
                 <a:spcPts val="0"/>
               </a:spcBef>
@@ -4731,8 +4929,8 @@
         </p:nvSpPr>
         <p:spPr>
           <a:xfrm>
-            <a:off x="2373750" y="3272563"/>
-            <a:ext cx="1469700" cy="688500"/>
+            <a:off x="5685000" y="2938325"/>
+            <a:ext cx="1423200" cy="688500"/>
           </a:xfrm>
           <a:prstGeom prst="rect">
             <a:avLst/>
@@ -4754,7 +4952,7 @@
           </a:bodyPr>
           <a:lstStyle/>
           <a:p>
-            <a:pPr lvl="0" rtl="0" algn="ctr">
+            <a:pPr indent="0" lvl="0" marL="0" rtl="0" algn="ctr">
               <a:spcBef>
                 <a:spcPts val="0"/>
               </a:spcBef>
@@ -4766,7 +4964,7 @@
             </a:r>
           </a:p>
           <a:p>
-            <a:pPr lvl="0" rtl="0" algn="ctr">
+            <a:pPr indent="0" lvl="0" marL="0" rtl="0" algn="ctr">
               <a:spcBef>
                 <a:spcPts val="0"/>
               </a:spcBef>
@@ -4778,7 +4976,7 @@
             </a:r>
           </a:p>
           <a:p>
-            <a:pPr lvl="0" rtl="0">
+            <a:pPr indent="0" lvl="0" marL="0" rtl="0">
               <a:spcBef>
                 <a:spcPts val="0"/>
               </a:spcBef>
@@ -4790,7 +4988,7 @@
             <a:endParaRPr sz="800"/>
           </a:p>
           <a:p>
-            <a:pPr lvl="0" rtl="0">
+            <a:pPr indent="0" lvl="0" marL="0" rtl="0">
               <a:spcBef>
                 <a:spcPts val="0"/>
               </a:spcBef>
@@ -4811,8 +5009,8 @@
         </p:nvSpPr>
         <p:spPr>
           <a:xfrm>
-            <a:off x="5181588" y="4274800"/>
-            <a:ext cx="1469700" cy="688500"/>
+            <a:off x="7108200" y="3983175"/>
+            <a:ext cx="899400" cy="846000"/>
           </a:xfrm>
           <a:prstGeom prst="rect">
             <a:avLst/>
@@ -4834,7 +5032,7 @@
           </a:bodyPr>
           <a:lstStyle/>
           <a:p>
-            <a:pPr lvl="0" rtl="0" algn="ctr">
+            <a:pPr indent="0" lvl="0" marL="0" rtl="0" algn="ctr">
               <a:spcBef>
                 <a:spcPts val="0"/>
               </a:spcBef>
@@ -4846,7 +5044,7 @@
             </a:r>
           </a:p>
           <a:p>
-            <a:pPr lvl="0" rtl="0" algn="ctr">
+            <a:pPr indent="0" lvl="0" marL="0" rtl="0" algn="ctr">
               <a:spcBef>
                 <a:spcPts val="0"/>
               </a:spcBef>
@@ -4858,7 +5056,7 @@
             </a:r>
           </a:p>
           <a:p>
-            <a:pPr lvl="0" rtl="0">
+            <a:pPr indent="0" lvl="0" marL="0" rtl="0">
               <a:spcBef>
                 <a:spcPts val="0"/>
               </a:spcBef>
@@ -4870,7 +5068,1507 @@
             <a:endParaRPr sz="800"/>
           </a:p>
           <a:p>
-            <a:pPr lvl="0" rtl="0">
+            <a:pPr indent="0" lvl="0" marL="0" rtl="0">
+              <a:spcBef>
+                <a:spcPts val="0"/>
+              </a:spcBef>
+              <a:buNone/>
+            </a:pPr>
+            <a:r>
+              <a:t/>
+            </a:r>
+            <a:endParaRPr sz="800"/>
+          </a:p>
+        </p:txBody>
+      </p:sp>
+      <p:sp>
+        <p:nvSpPr>
+          <p:cNvPr id="69" name="Shape 69"/>
+          <p:cNvSpPr txBox="1"/>
+          <p:nvPr/>
+        </p:nvSpPr>
+        <p:spPr>
+          <a:xfrm>
+            <a:off x="3018600" y="897650"/>
+            <a:ext cx="708900" cy="441900"/>
+          </a:xfrm>
+          <a:prstGeom prst="rect">
+            <a:avLst/>
+          </a:prstGeom>
+          <a:noFill/>
+          <a:ln cap="flat" cmpd="sng" w="9525">
+            <a:solidFill>
+              <a:srgbClr val="000000"/>
+            </a:solidFill>
+            <a:prstDash val="solid"/>
+            <a:round/>
+            <a:headEnd len="med" w="med" type="none"/>
+            <a:tailEnd len="med" w="med" type="none"/>
+          </a:ln>
+        </p:spPr>
+        <p:txBody>
+          <a:bodyPr anchorCtr="0" anchor="t" bIns="91425" lIns="91425" rIns="91425" wrap="square" tIns="91425">
+            <a:noAutofit/>
+          </a:bodyPr>
+          <a:lstStyle/>
+          <a:p>
+            <a:pPr indent="0" lvl="0" marL="0" algn="ctr">
+              <a:spcBef>
+                <a:spcPts val="0"/>
+              </a:spcBef>
+              <a:buNone/>
+            </a:pPr>
+            <a:r>
+              <a:rPr lang="en" sz="1200"/>
+              <a:t>Test</a:t>
+            </a:r>
+          </a:p>
+          <a:p>
+            <a:pPr indent="0" lvl="0" marL="0" algn="ctr">
+              <a:spcBef>
+                <a:spcPts val="0"/>
+              </a:spcBef>
+              <a:buNone/>
+            </a:pPr>
+            <a:r>
+              <a:rPr lang="en" sz="800"/>
+              <a:t>Tests Code</a:t>
+            </a:r>
+          </a:p>
+        </p:txBody>
+      </p:sp>
+      <p:sp>
+        <p:nvSpPr>
+          <p:cNvPr id="70" name="Shape 70"/>
+          <p:cNvSpPr txBox="1"/>
+          <p:nvPr/>
+        </p:nvSpPr>
+        <p:spPr>
+          <a:xfrm>
+            <a:off x="6308850" y="1256288"/>
+            <a:ext cx="1243200" cy="590700"/>
+          </a:xfrm>
+          <a:prstGeom prst="rect">
+            <a:avLst/>
+          </a:prstGeom>
+          <a:noFill/>
+          <a:ln cap="flat" cmpd="sng" w="9525">
+            <a:solidFill>
+              <a:srgbClr val="000000"/>
+            </a:solidFill>
+            <a:prstDash val="solid"/>
+            <a:round/>
+            <a:headEnd len="med" w="med" type="none"/>
+            <a:tailEnd len="med" w="med" type="none"/>
+          </a:ln>
+        </p:spPr>
+        <p:txBody>
+          <a:bodyPr anchorCtr="0" anchor="t" bIns="91425" lIns="91425" rIns="91425" wrap="square" tIns="91425">
+            <a:noAutofit/>
+          </a:bodyPr>
+          <a:lstStyle/>
+          <a:p>
+            <a:pPr indent="0" lvl="0" marL="0" rtl="0" algn="ctr">
+              <a:spcBef>
+                <a:spcPts val="0"/>
+              </a:spcBef>
+              <a:buNone/>
+            </a:pPr>
+            <a:r>
+              <a:rPr lang="en" sz="1200"/>
+              <a:t>Drop</a:t>
+            </a:r>
+          </a:p>
+          <a:p>
+            <a:pPr indent="0" lvl="0" marL="0" rtl="0" algn="ctr">
+              <a:spcBef>
+                <a:spcPts val="0"/>
+              </a:spcBef>
+              <a:buNone/>
+            </a:pPr>
+            <a:r>
+              <a:rPr lang="en" sz="800"/>
+              <a:t>Virtual class used for player power-up drops</a:t>
+            </a:r>
+          </a:p>
+          <a:p>
+            <a:pPr indent="0" lvl="0" marL="0" rtl="0">
+              <a:spcBef>
+                <a:spcPts val="0"/>
+              </a:spcBef>
+              <a:buNone/>
+            </a:pPr>
+            <a:r>
+              <a:t/>
+            </a:r>
+            <a:endParaRPr sz="800"/>
+          </a:p>
+          <a:p>
+            <a:pPr indent="0" lvl="0" marL="0" rtl="0">
+              <a:spcBef>
+                <a:spcPts val="0"/>
+              </a:spcBef>
+              <a:buNone/>
+            </a:pPr>
+            <a:r>
+              <a:t/>
+            </a:r>
+            <a:endParaRPr sz="800"/>
+          </a:p>
+        </p:txBody>
+      </p:sp>
+      <p:sp>
+        <p:nvSpPr>
+          <p:cNvPr id="71" name="Shape 71"/>
+          <p:cNvSpPr txBox="1"/>
+          <p:nvPr/>
+        </p:nvSpPr>
+        <p:spPr>
+          <a:xfrm>
+            <a:off x="7789200" y="1271450"/>
+            <a:ext cx="1329900" cy="560400"/>
+          </a:xfrm>
+          <a:prstGeom prst="rect">
+            <a:avLst/>
+          </a:prstGeom>
+          <a:noFill/>
+          <a:ln cap="flat" cmpd="sng" w="9525">
+            <a:solidFill>
+              <a:srgbClr val="000000"/>
+            </a:solidFill>
+            <a:prstDash val="solid"/>
+            <a:round/>
+            <a:headEnd len="med" w="med" type="none"/>
+            <a:tailEnd len="med" w="med" type="none"/>
+          </a:ln>
+        </p:spPr>
+        <p:txBody>
+          <a:bodyPr anchorCtr="0" anchor="t" bIns="91425" lIns="91425" rIns="91425" wrap="square" tIns="91425">
+            <a:noAutofit/>
+          </a:bodyPr>
+          <a:lstStyle/>
+          <a:p>
+            <a:pPr indent="0" lvl="0" marL="0" rtl="0" algn="ctr">
+              <a:spcBef>
+                <a:spcPts val="0"/>
+              </a:spcBef>
+              <a:buNone/>
+            </a:pPr>
+            <a:r>
+              <a:rPr lang="en" sz="1200"/>
+              <a:t>BeamAmmo</a:t>
+            </a:r>
+          </a:p>
+          <a:p>
+            <a:pPr indent="0" lvl="0" marL="0" rtl="0" algn="ctr">
+              <a:spcBef>
+                <a:spcPts val="0"/>
+              </a:spcBef>
+              <a:buNone/>
+            </a:pPr>
+            <a:r>
+              <a:rPr lang="en" sz="800"/>
+              <a:t>Handles limited amount of beam ammo</a:t>
+            </a:r>
+            <a:r>
+              <a:rPr lang="en" sz="800"/>
+              <a:t>.</a:t>
+            </a:r>
+          </a:p>
+          <a:p>
+            <a:pPr indent="0" lvl="0" marL="0" rtl="0">
+              <a:spcBef>
+                <a:spcPts val="0"/>
+              </a:spcBef>
+              <a:buNone/>
+            </a:pPr>
+            <a:r>
+              <a:t/>
+            </a:r>
+            <a:endParaRPr sz="800"/>
+          </a:p>
+          <a:p>
+            <a:pPr indent="0" lvl="0" marL="0" rtl="0">
+              <a:spcBef>
+                <a:spcPts val="0"/>
+              </a:spcBef>
+              <a:buNone/>
+            </a:pPr>
+            <a:r>
+              <a:t/>
+            </a:r>
+            <a:endParaRPr sz="800"/>
+          </a:p>
+        </p:txBody>
+      </p:sp>
+      <p:sp>
+        <p:nvSpPr>
+          <p:cNvPr id="72" name="Shape 72"/>
+          <p:cNvSpPr txBox="1"/>
+          <p:nvPr/>
+        </p:nvSpPr>
+        <p:spPr>
+          <a:xfrm>
+            <a:off x="6308850" y="2115650"/>
+            <a:ext cx="708900" cy="655200"/>
+          </a:xfrm>
+          <a:prstGeom prst="rect">
+            <a:avLst/>
+          </a:prstGeom>
+          <a:noFill/>
+          <a:ln cap="flat" cmpd="sng" w="9525">
+            <a:solidFill>
+              <a:srgbClr val="000000"/>
+            </a:solidFill>
+            <a:prstDash val="solid"/>
+            <a:round/>
+            <a:headEnd len="med" w="med" type="none"/>
+            <a:tailEnd len="med" w="med" type="none"/>
+          </a:ln>
+        </p:spPr>
+        <p:txBody>
+          <a:bodyPr anchorCtr="0" anchor="t" bIns="91425" lIns="91425" rIns="91425" wrap="square" tIns="91425">
+            <a:noAutofit/>
+          </a:bodyPr>
+          <a:lstStyle/>
+          <a:p>
+            <a:pPr indent="0" lvl="0" marL="0" rtl="0" algn="ctr">
+              <a:spcBef>
+                <a:spcPts val="0"/>
+              </a:spcBef>
+              <a:buNone/>
+            </a:pPr>
+            <a:r>
+              <a:rPr lang="en" sz="1200"/>
+              <a:t>Life</a:t>
+            </a:r>
+          </a:p>
+          <a:p>
+            <a:pPr indent="0" lvl="0" marL="0" rtl="0" algn="ctr">
+              <a:spcBef>
+                <a:spcPts val="0"/>
+              </a:spcBef>
+              <a:buNone/>
+            </a:pPr>
+            <a:r>
+              <a:rPr lang="en" sz="800"/>
+              <a:t>Gives player an extra life</a:t>
+            </a:r>
+          </a:p>
+          <a:p>
+            <a:pPr indent="0" lvl="0" marL="0" rtl="0">
+              <a:spcBef>
+                <a:spcPts val="0"/>
+              </a:spcBef>
+              <a:buNone/>
+            </a:pPr>
+            <a:r>
+              <a:t/>
+            </a:r>
+            <a:endParaRPr sz="800"/>
+          </a:p>
+          <a:p>
+            <a:pPr indent="0" lvl="0" marL="0" rtl="0">
+              <a:spcBef>
+                <a:spcPts val="0"/>
+              </a:spcBef>
+              <a:buNone/>
+            </a:pPr>
+            <a:r>
+              <a:t/>
+            </a:r>
+            <a:endParaRPr sz="800"/>
+          </a:p>
+        </p:txBody>
+      </p:sp>
+      <p:sp>
+        <p:nvSpPr>
+          <p:cNvPr id="73" name="Shape 73"/>
+          <p:cNvSpPr txBox="1"/>
+          <p:nvPr/>
+        </p:nvSpPr>
+        <p:spPr>
+          <a:xfrm>
+            <a:off x="7108200" y="2115650"/>
+            <a:ext cx="1117800" cy="655200"/>
+          </a:xfrm>
+          <a:prstGeom prst="rect">
+            <a:avLst/>
+          </a:prstGeom>
+          <a:noFill/>
+          <a:ln cap="flat" cmpd="sng" w="9525">
+            <a:solidFill>
+              <a:srgbClr val="000000"/>
+            </a:solidFill>
+            <a:prstDash val="solid"/>
+            <a:round/>
+            <a:headEnd len="med" w="med" type="none"/>
+            <a:tailEnd len="med" w="med" type="none"/>
+          </a:ln>
+        </p:spPr>
+        <p:txBody>
+          <a:bodyPr anchorCtr="0" anchor="t" bIns="91425" lIns="91425" rIns="91425" wrap="square" tIns="91425">
+            <a:noAutofit/>
+          </a:bodyPr>
+          <a:lstStyle/>
+          <a:p>
+            <a:pPr indent="0" lvl="0" marL="0" rtl="0" algn="ctr">
+              <a:spcBef>
+                <a:spcPts val="0"/>
+              </a:spcBef>
+              <a:buNone/>
+            </a:pPr>
+            <a:r>
+              <a:rPr lang="en" sz="1200"/>
+              <a:t>RocketAmmo</a:t>
+            </a:r>
+          </a:p>
+          <a:p>
+            <a:pPr indent="0" lvl="0" marL="0" rtl="0" algn="ctr">
+              <a:spcBef>
+                <a:spcPts val="0"/>
+              </a:spcBef>
+              <a:buNone/>
+            </a:pPr>
+            <a:r>
+              <a:rPr lang="en" sz="800"/>
+              <a:t>Handles limited amount of rocket ammo</a:t>
+            </a:r>
+            <a:r>
+              <a:rPr lang="en" sz="800"/>
+              <a:t>.</a:t>
+            </a:r>
+          </a:p>
+          <a:p>
+            <a:pPr indent="0" lvl="0" marL="0" rtl="0">
+              <a:spcBef>
+                <a:spcPts val="0"/>
+              </a:spcBef>
+              <a:buNone/>
+            </a:pPr>
+            <a:r>
+              <a:t/>
+            </a:r>
+            <a:endParaRPr sz="800"/>
+          </a:p>
+          <a:p>
+            <a:pPr indent="0" lvl="0" marL="0" rtl="0">
+              <a:spcBef>
+                <a:spcPts val="0"/>
+              </a:spcBef>
+              <a:buNone/>
+            </a:pPr>
+            <a:r>
+              <a:t/>
+            </a:r>
+            <a:endParaRPr sz="800"/>
+          </a:p>
+        </p:txBody>
+      </p:sp>
+      <p:sp>
+        <p:nvSpPr>
+          <p:cNvPr id="74" name="Shape 74"/>
+          <p:cNvSpPr txBox="1"/>
+          <p:nvPr/>
+        </p:nvSpPr>
+        <p:spPr>
+          <a:xfrm>
+            <a:off x="8346700" y="2115650"/>
+            <a:ext cx="708900" cy="688500"/>
+          </a:xfrm>
+          <a:prstGeom prst="rect">
+            <a:avLst/>
+          </a:prstGeom>
+          <a:noFill/>
+          <a:ln cap="flat" cmpd="sng" w="9525">
+            <a:solidFill>
+              <a:srgbClr val="000000"/>
+            </a:solidFill>
+            <a:prstDash val="solid"/>
+            <a:round/>
+            <a:headEnd len="med" w="med" type="none"/>
+            <a:tailEnd len="med" w="med" type="none"/>
+          </a:ln>
+        </p:spPr>
+        <p:txBody>
+          <a:bodyPr anchorCtr="0" anchor="t" bIns="91425" lIns="91425" rIns="91425" wrap="square" tIns="91425">
+            <a:noAutofit/>
+          </a:bodyPr>
+          <a:lstStyle/>
+          <a:p>
+            <a:pPr indent="0" lvl="0" marL="0" rtl="0" algn="ctr">
+              <a:spcBef>
+                <a:spcPts val="0"/>
+              </a:spcBef>
+              <a:buNone/>
+            </a:pPr>
+            <a:r>
+              <a:rPr lang="en" sz="1200"/>
+              <a:t>Shield</a:t>
+            </a:r>
+          </a:p>
+          <a:p>
+            <a:pPr indent="0" lvl="0" marL="0" rtl="0" algn="ctr">
+              <a:spcBef>
+                <a:spcPts val="0"/>
+              </a:spcBef>
+              <a:buNone/>
+            </a:pPr>
+            <a:r>
+              <a:rPr lang="en" sz="800"/>
+              <a:t>Shield stats for shield drop</a:t>
+            </a:r>
+          </a:p>
+          <a:p>
+            <a:pPr indent="0" lvl="0" marL="0" rtl="0">
+              <a:spcBef>
+                <a:spcPts val="0"/>
+              </a:spcBef>
+              <a:buNone/>
+            </a:pPr>
+            <a:r>
+              <a:t/>
+            </a:r>
+            <a:endParaRPr sz="800"/>
+          </a:p>
+          <a:p>
+            <a:pPr indent="0" lvl="0" marL="0" rtl="0">
+              <a:spcBef>
+                <a:spcPts val="0"/>
+              </a:spcBef>
+              <a:buNone/>
+            </a:pPr>
+            <a:r>
+              <a:t/>
+            </a:r>
+            <a:endParaRPr sz="800"/>
+          </a:p>
+        </p:txBody>
+      </p:sp>
+      <p:sp>
+        <p:nvSpPr>
+          <p:cNvPr id="75" name="Shape 75"/>
+          <p:cNvSpPr txBox="1"/>
+          <p:nvPr/>
+        </p:nvSpPr>
+        <p:spPr>
+          <a:xfrm>
+            <a:off x="2907538" y="1591788"/>
+            <a:ext cx="986700" cy="796800"/>
+          </a:xfrm>
+          <a:prstGeom prst="rect">
+            <a:avLst/>
+          </a:prstGeom>
+          <a:noFill/>
+          <a:ln cap="flat" cmpd="sng" w="9525">
+            <a:solidFill>
+              <a:srgbClr val="000000"/>
+            </a:solidFill>
+            <a:prstDash val="solid"/>
+            <a:round/>
+            <a:headEnd len="med" w="med" type="none"/>
+            <a:tailEnd len="med" w="med" type="none"/>
+          </a:ln>
+        </p:spPr>
+        <p:txBody>
+          <a:bodyPr anchorCtr="0" anchor="t" bIns="91425" lIns="91425" rIns="91425" wrap="square" tIns="91425">
+            <a:noAutofit/>
+          </a:bodyPr>
+          <a:lstStyle/>
+          <a:p>
+            <a:pPr indent="0" lvl="0" marL="0" rtl="0" algn="ctr">
+              <a:spcBef>
+                <a:spcPts val="0"/>
+              </a:spcBef>
+              <a:buNone/>
+            </a:pPr>
+            <a:r>
+              <a:rPr lang="en" sz="1200"/>
+              <a:t>Weapon</a:t>
+            </a:r>
+          </a:p>
+          <a:p>
+            <a:pPr indent="0" lvl="0" marL="0" rtl="0" algn="ctr">
+              <a:spcBef>
+                <a:spcPts val="0"/>
+              </a:spcBef>
+              <a:buNone/>
+            </a:pPr>
+            <a:r>
+              <a:rPr lang="en" sz="800"/>
+              <a:t>Gives ammo to player once they pick up a weapon power-up</a:t>
+            </a:r>
+          </a:p>
+          <a:p>
+            <a:pPr indent="0" lvl="0" marL="0" rtl="0">
+              <a:spcBef>
+                <a:spcPts val="0"/>
+              </a:spcBef>
+              <a:buNone/>
+            </a:pPr>
+            <a:r>
+              <a:t/>
+            </a:r>
+            <a:endParaRPr sz="800"/>
+          </a:p>
+          <a:p>
+            <a:pPr indent="0" lvl="0" marL="0" rtl="0">
+              <a:spcBef>
+                <a:spcPts val="0"/>
+              </a:spcBef>
+              <a:buNone/>
+            </a:pPr>
+            <a:r>
+              <a:t/>
+            </a:r>
+            <a:endParaRPr sz="800"/>
+          </a:p>
+        </p:txBody>
+      </p:sp>
+      <p:sp>
+        <p:nvSpPr>
+          <p:cNvPr id="76" name="Shape 76"/>
+          <p:cNvSpPr txBox="1"/>
+          <p:nvPr/>
+        </p:nvSpPr>
+        <p:spPr>
+          <a:xfrm>
+            <a:off x="4734450" y="3983050"/>
+            <a:ext cx="1117800" cy="796800"/>
+          </a:xfrm>
+          <a:prstGeom prst="rect">
+            <a:avLst/>
+          </a:prstGeom>
+          <a:noFill/>
+          <a:ln cap="flat" cmpd="sng" w="9525">
+            <a:solidFill>
+              <a:srgbClr val="000000"/>
+            </a:solidFill>
+            <a:prstDash val="solid"/>
+            <a:round/>
+            <a:headEnd len="med" w="med" type="none"/>
+            <a:tailEnd len="med" w="med" type="none"/>
+          </a:ln>
+        </p:spPr>
+        <p:txBody>
+          <a:bodyPr anchorCtr="0" anchor="t" bIns="91425" lIns="91425" rIns="91425" wrap="square" tIns="91425">
+            <a:noAutofit/>
+          </a:bodyPr>
+          <a:lstStyle/>
+          <a:p>
+            <a:pPr indent="0" lvl="0" marL="0" rtl="0" algn="ctr">
+              <a:spcBef>
+                <a:spcPts val="0"/>
+              </a:spcBef>
+              <a:buNone/>
+            </a:pPr>
+            <a:r>
+              <a:rPr lang="en" sz="1200"/>
+              <a:t>Beam</a:t>
+            </a:r>
+          </a:p>
+          <a:p>
+            <a:pPr indent="0" lvl="0" marL="0" rtl="0" algn="ctr">
+              <a:spcBef>
+                <a:spcPts val="0"/>
+              </a:spcBef>
+              <a:buNone/>
+            </a:pPr>
+            <a:r>
+              <a:rPr lang="en" sz="800"/>
+              <a:t>Large beam that does massive damage. Used by player and enemies</a:t>
+            </a:r>
+          </a:p>
+          <a:p>
+            <a:pPr indent="0" lvl="0" marL="0" rtl="0">
+              <a:spcBef>
+                <a:spcPts val="0"/>
+              </a:spcBef>
+              <a:buNone/>
+            </a:pPr>
+            <a:r>
+              <a:t/>
+            </a:r>
+            <a:endParaRPr sz="800"/>
+          </a:p>
+          <a:p>
+            <a:pPr indent="0" lvl="0" marL="0" rtl="0">
+              <a:spcBef>
+                <a:spcPts val="0"/>
+              </a:spcBef>
+              <a:buNone/>
+            </a:pPr>
+            <a:r>
+              <a:t/>
+            </a:r>
+            <a:endParaRPr sz="800"/>
+          </a:p>
+        </p:txBody>
+      </p:sp>
+      <p:sp>
+        <p:nvSpPr>
+          <p:cNvPr id="77" name="Shape 77"/>
+          <p:cNvSpPr txBox="1"/>
+          <p:nvPr/>
+        </p:nvSpPr>
+        <p:spPr>
+          <a:xfrm>
+            <a:off x="6008350" y="3983175"/>
+            <a:ext cx="960600" cy="915600"/>
+          </a:xfrm>
+          <a:prstGeom prst="rect">
+            <a:avLst/>
+          </a:prstGeom>
+          <a:noFill/>
+          <a:ln cap="flat" cmpd="sng" w="9525">
+            <a:solidFill>
+              <a:srgbClr val="000000"/>
+            </a:solidFill>
+            <a:prstDash val="solid"/>
+            <a:round/>
+            <a:headEnd len="med" w="med" type="none"/>
+            <a:tailEnd len="med" w="med" type="none"/>
+          </a:ln>
+        </p:spPr>
+        <p:txBody>
+          <a:bodyPr anchorCtr="0" anchor="t" bIns="91425" lIns="91425" rIns="91425" wrap="square" tIns="91425">
+            <a:noAutofit/>
+          </a:bodyPr>
+          <a:lstStyle/>
+          <a:p>
+            <a:pPr indent="0" lvl="0" marL="0" rtl="0" algn="ctr">
+              <a:spcBef>
+                <a:spcPts val="0"/>
+              </a:spcBef>
+              <a:buNone/>
+            </a:pPr>
+            <a:r>
+              <a:rPr lang="en" sz="1200"/>
+              <a:t>Emp</a:t>
+            </a:r>
+          </a:p>
+          <a:p>
+            <a:pPr indent="0" lvl="0" marL="0" rtl="0" algn="ctr">
+              <a:spcBef>
+                <a:spcPts val="0"/>
+              </a:spcBef>
+              <a:buNone/>
+            </a:pPr>
+            <a:r>
+              <a:rPr lang="en" sz="800"/>
+              <a:t>Low damage emp that stuns the player for 3 seconds if they are hit</a:t>
+            </a:r>
+          </a:p>
+          <a:p>
+            <a:pPr indent="0" lvl="0" marL="0" rtl="0">
+              <a:spcBef>
+                <a:spcPts val="0"/>
+              </a:spcBef>
+              <a:buNone/>
+            </a:pPr>
+            <a:r>
+              <a:t/>
+            </a:r>
+            <a:endParaRPr sz="800"/>
+          </a:p>
+          <a:p>
+            <a:pPr indent="0" lvl="0" marL="0" rtl="0">
+              <a:spcBef>
+                <a:spcPts val="0"/>
+              </a:spcBef>
+              <a:buNone/>
+            </a:pPr>
+            <a:r>
+              <a:t/>
+            </a:r>
+            <a:endParaRPr sz="800"/>
+          </a:p>
+        </p:txBody>
+      </p:sp>
+      <p:sp>
+        <p:nvSpPr>
+          <p:cNvPr id="78" name="Shape 78"/>
+          <p:cNvSpPr txBox="1"/>
+          <p:nvPr/>
+        </p:nvSpPr>
+        <p:spPr>
+          <a:xfrm>
+            <a:off x="7317900" y="2938325"/>
+            <a:ext cx="1770600" cy="688500"/>
+          </a:xfrm>
+          <a:prstGeom prst="rect">
+            <a:avLst/>
+          </a:prstGeom>
+          <a:noFill/>
+          <a:ln cap="flat" cmpd="sng" w="9525">
+            <a:solidFill>
+              <a:srgbClr val="000000"/>
+            </a:solidFill>
+            <a:prstDash val="solid"/>
+            <a:round/>
+            <a:headEnd len="med" w="med" type="none"/>
+            <a:tailEnd len="med" w="med" type="none"/>
+          </a:ln>
+        </p:spPr>
+        <p:txBody>
+          <a:bodyPr anchorCtr="0" anchor="t" bIns="91425" lIns="91425" rIns="91425" wrap="square" tIns="91425">
+            <a:noAutofit/>
+          </a:bodyPr>
+          <a:lstStyle/>
+          <a:p>
+            <a:pPr indent="0" lvl="0" marL="0" rtl="0" algn="ctr">
+              <a:spcBef>
+                <a:spcPts val="0"/>
+              </a:spcBef>
+              <a:buNone/>
+            </a:pPr>
+            <a:r>
+              <a:rPr lang="en" sz="1200"/>
+              <a:t>Pellet</a:t>
+            </a:r>
+          </a:p>
+          <a:p>
+            <a:pPr indent="0" lvl="0" marL="0" rtl="0">
+              <a:spcBef>
+                <a:spcPts val="0"/>
+              </a:spcBef>
+              <a:buNone/>
+            </a:pPr>
+            <a:r>
+              <a:rPr lang="en" sz="800"/>
+              <a:t>Medium damage small projectiles. Typically fired rapidly with one another.</a:t>
+            </a:r>
+          </a:p>
+          <a:p>
+            <a:pPr indent="0" lvl="0" marL="0" rtl="0">
+              <a:spcBef>
+                <a:spcPts val="0"/>
+              </a:spcBef>
+              <a:buNone/>
+            </a:pPr>
+            <a:r>
+              <a:t/>
+            </a:r>
+            <a:endParaRPr sz="800"/>
+          </a:p>
+        </p:txBody>
+      </p:sp>
+      <p:sp>
+        <p:nvSpPr>
+          <p:cNvPr id="79" name="Shape 79"/>
+          <p:cNvSpPr txBox="1"/>
+          <p:nvPr/>
+        </p:nvSpPr>
+        <p:spPr>
+          <a:xfrm>
+            <a:off x="4357488" y="2938325"/>
+            <a:ext cx="1117800" cy="688500"/>
+          </a:xfrm>
+          <a:prstGeom prst="rect">
+            <a:avLst/>
+          </a:prstGeom>
+          <a:noFill/>
+          <a:ln cap="flat" cmpd="sng" w="9525">
+            <a:solidFill>
+              <a:srgbClr val="000000"/>
+            </a:solidFill>
+            <a:prstDash val="solid"/>
+            <a:round/>
+            <a:headEnd len="med" w="med" type="none"/>
+            <a:tailEnd len="med" w="med" type="none"/>
+          </a:ln>
+        </p:spPr>
+        <p:txBody>
+          <a:bodyPr anchorCtr="0" anchor="t" bIns="91425" lIns="91425" rIns="91425" wrap="square" tIns="91425">
+            <a:noAutofit/>
+          </a:bodyPr>
+          <a:lstStyle/>
+          <a:p>
+            <a:pPr indent="0" lvl="0" marL="0" rtl="0" algn="ctr">
+              <a:spcBef>
+                <a:spcPts val="0"/>
+              </a:spcBef>
+              <a:buNone/>
+            </a:pPr>
+            <a:r>
+              <a:rPr lang="en" sz="1200"/>
+              <a:t>Rocket</a:t>
+            </a:r>
+          </a:p>
+          <a:p>
+            <a:pPr indent="0" lvl="0" marL="0" rtl="0" algn="ctr">
+              <a:spcBef>
+                <a:spcPts val="0"/>
+              </a:spcBef>
+              <a:buNone/>
+            </a:pPr>
+            <a:r>
+              <a:rPr lang="en" sz="800"/>
+              <a:t>Area of effect weapon. Used by player and enemies.</a:t>
+            </a:r>
+          </a:p>
+          <a:p>
+            <a:pPr indent="0" lvl="0" marL="0" rtl="0">
+              <a:spcBef>
+                <a:spcPts val="0"/>
+              </a:spcBef>
+              <a:buNone/>
+            </a:pPr>
+            <a:r>
+              <a:t/>
+            </a:r>
+            <a:endParaRPr sz="800"/>
+          </a:p>
+          <a:p>
+            <a:pPr indent="0" lvl="0" marL="0" rtl="0">
+              <a:spcBef>
+                <a:spcPts val="0"/>
+              </a:spcBef>
+              <a:buNone/>
+            </a:pPr>
+            <a:r>
+              <a:t/>
+            </a:r>
+            <a:endParaRPr sz="800"/>
+          </a:p>
+        </p:txBody>
+      </p:sp>
+      <p:sp>
+        <p:nvSpPr>
+          <p:cNvPr id="80" name="Shape 80"/>
+          <p:cNvSpPr txBox="1"/>
+          <p:nvPr/>
+        </p:nvSpPr>
+        <p:spPr>
+          <a:xfrm>
+            <a:off x="7986300" y="644750"/>
+            <a:ext cx="1157700" cy="509700"/>
+          </a:xfrm>
+          <a:prstGeom prst="rect">
+            <a:avLst/>
+          </a:prstGeom>
+          <a:noFill/>
+          <a:ln cap="flat" cmpd="sng" w="9525">
+            <a:solidFill>
+              <a:srgbClr val="000000"/>
+            </a:solidFill>
+            <a:prstDash val="solid"/>
+            <a:round/>
+            <a:headEnd len="med" w="med" type="none"/>
+            <a:tailEnd len="med" w="med" type="none"/>
+          </a:ln>
+        </p:spPr>
+        <p:txBody>
+          <a:bodyPr anchorCtr="0" anchor="t" bIns="91425" lIns="91425" rIns="91425" wrap="square" tIns="91425">
+            <a:noAutofit/>
+          </a:bodyPr>
+          <a:lstStyle/>
+          <a:p>
+            <a:pPr indent="0" lvl="0" marL="0" rtl="0" algn="ctr">
+              <a:spcBef>
+                <a:spcPts val="0"/>
+              </a:spcBef>
+              <a:buNone/>
+            </a:pPr>
+            <a:r>
+              <a:rPr lang="en" sz="1200"/>
+              <a:t>Pause</a:t>
+            </a:r>
+          </a:p>
+          <a:p>
+            <a:pPr indent="0" lvl="0" marL="0" rtl="0" algn="ctr">
+              <a:spcBef>
+                <a:spcPts val="0"/>
+              </a:spcBef>
+              <a:buNone/>
+            </a:pPr>
+            <a:r>
+              <a:rPr lang="en" sz="800"/>
+              <a:t>Allows the player to pause the game.</a:t>
+            </a:r>
+          </a:p>
+          <a:p>
+            <a:pPr indent="0" lvl="0" marL="0" rtl="0">
+              <a:spcBef>
+                <a:spcPts val="0"/>
+              </a:spcBef>
+              <a:buNone/>
+            </a:pPr>
+            <a:r>
+              <a:t/>
+            </a:r>
+            <a:endParaRPr sz="800"/>
+          </a:p>
+          <a:p>
+            <a:pPr indent="0" lvl="0" marL="0" rtl="0">
+              <a:spcBef>
+                <a:spcPts val="0"/>
+              </a:spcBef>
+              <a:buNone/>
+            </a:pPr>
+            <a:r>
+              <a:t/>
+            </a:r>
+            <a:endParaRPr sz="800"/>
+          </a:p>
+        </p:txBody>
+      </p:sp>
+      <p:sp>
+        <p:nvSpPr>
+          <p:cNvPr id="81" name="Shape 81"/>
+          <p:cNvSpPr txBox="1"/>
+          <p:nvPr/>
+        </p:nvSpPr>
+        <p:spPr>
+          <a:xfrm>
+            <a:off x="64450" y="1639850"/>
+            <a:ext cx="1103400" cy="771600"/>
+          </a:xfrm>
+          <a:prstGeom prst="rect">
+            <a:avLst/>
+          </a:prstGeom>
+          <a:noFill/>
+          <a:ln cap="flat" cmpd="sng" w="9525">
+            <a:solidFill>
+              <a:srgbClr val="000000"/>
+            </a:solidFill>
+            <a:prstDash val="solid"/>
+            <a:round/>
+            <a:headEnd len="med" w="med" type="none"/>
+            <a:tailEnd len="med" w="med" type="none"/>
+          </a:ln>
+        </p:spPr>
+        <p:txBody>
+          <a:bodyPr anchorCtr="0" anchor="t" bIns="91425" lIns="91425" rIns="91425" wrap="square" tIns="91425">
+            <a:noAutofit/>
+          </a:bodyPr>
+          <a:lstStyle/>
+          <a:p>
+            <a:pPr indent="0" lvl="0" marL="0" rtl="0" algn="ctr">
+              <a:spcBef>
+                <a:spcPts val="0"/>
+              </a:spcBef>
+              <a:buNone/>
+            </a:pPr>
+            <a:r>
+              <a:rPr lang="en" sz="1200"/>
+              <a:t>Advanced</a:t>
+            </a:r>
+          </a:p>
+          <a:p>
+            <a:pPr indent="0" lvl="0" marL="0" rtl="0" algn="ctr">
+              <a:spcBef>
+                <a:spcPts val="0"/>
+              </a:spcBef>
+              <a:buNone/>
+            </a:pPr>
+            <a:r>
+              <a:rPr lang="en" sz="800"/>
+              <a:t>Advanced level enemies stats. Toughest besides bosses.</a:t>
+            </a:r>
+          </a:p>
+          <a:p>
+            <a:pPr indent="0" lvl="0" marL="0" rtl="0">
+              <a:spcBef>
+                <a:spcPts val="0"/>
+              </a:spcBef>
+              <a:buNone/>
+            </a:pPr>
+            <a:r>
+              <a:t/>
+            </a:r>
+            <a:endParaRPr sz="800"/>
+          </a:p>
+          <a:p>
+            <a:pPr indent="0" lvl="0" marL="0" rtl="0">
+              <a:spcBef>
+                <a:spcPts val="0"/>
+              </a:spcBef>
+              <a:buNone/>
+            </a:pPr>
+            <a:r>
+              <a:t/>
+            </a:r>
+            <a:endParaRPr sz="800"/>
+          </a:p>
+        </p:txBody>
+      </p:sp>
+      <p:sp>
+        <p:nvSpPr>
+          <p:cNvPr id="82" name="Shape 82"/>
+          <p:cNvSpPr txBox="1"/>
+          <p:nvPr/>
+        </p:nvSpPr>
+        <p:spPr>
+          <a:xfrm>
+            <a:off x="64450" y="856250"/>
+            <a:ext cx="1103400" cy="688500"/>
+          </a:xfrm>
+          <a:prstGeom prst="rect">
+            <a:avLst/>
+          </a:prstGeom>
+          <a:noFill/>
+          <a:ln cap="flat" cmpd="sng" w="9525">
+            <a:solidFill>
+              <a:srgbClr val="000000"/>
+            </a:solidFill>
+            <a:prstDash val="solid"/>
+            <a:round/>
+            <a:headEnd len="med" w="med" type="none"/>
+            <a:tailEnd len="med" w="med" type="none"/>
+          </a:ln>
+        </p:spPr>
+        <p:txBody>
+          <a:bodyPr anchorCtr="0" anchor="t" bIns="91425" lIns="91425" rIns="91425" wrap="square" tIns="91425">
+            <a:noAutofit/>
+          </a:bodyPr>
+          <a:lstStyle/>
+          <a:p>
+            <a:pPr indent="0" lvl="0" marL="0" rtl="0" algn="ctr">
+              <a:spcBef>
+                <a:spcPts val="0"/>
+              </a:spcBef>
+              <a:buNone/>
+            </a:pPr>
+            <a:r>
+              <a:rPr lang="en" sz="1200"/>
+              <a:t>Intermediate</a:t>
+            </a:r>
+          </a:p>
+          <a:p>
+            <a:pPr indent="0" lvl="0" marL="0" rtl="0" algn="ctr">
+              <a:spcBef>
+                <a:spcPts val="0"/>
+              </a:spcBef>
+              <a:buNone/>
+            </a:pPr>
+            <a:r>
+              <a:rPr lang="en" sz="800"/>
+              <a:t>Holds stats for intermediate level enemies.</a:t>
+            </a:r>
+          </a:p>
+          <a:p>
+            <a:pPr indent="0" lvl="0" marL="0" rtl="0">
+              <a:spcBef>
+                <a:spcPts val="0"/>
+              </a:spcBef>
+              <a:buNone/>
+            </a:pPr>
+            <a:r>
+              <a:t/>
+            </a:r>
+            <a:endParaRPr sz="800"/>
+          </a:p>
+          <a:p>
+            <a:pPr indent="0" lvl="0" marL="0" rtl="0">
+              <a:spcBef>
+                <a:spcPts val="0"/>
+              </a:spcBef>
+              <a:buNone/>
+            </a:pPr>
+            <a:r>
+              <a:t/>
+            </a:r>
+            <a:endParaRPr sz="800"/>
+          </a:p>
+        </p:txBody>
+      </p:sp>
+      <p:sp>
+        <p:nvSpPr>
+          <p:cNvPr id="83" name="Shape 83"/>
+          <p:cNvSpPr txBox="1"/>
+          <p:nvPr/>
+        </p:nvSpPr>
+        <p:spPr>
+          <a:xfrm>
+            <a:off x="1466350" y="2347613"/>
+            <a:ext cx="1214400" cy="590700"/>
+          </a:xfrm>
+          <a:prstGeom prst="rect">
+            <a:avLst/>
+          </a:prstGeom>
+          <a:noFill/>
+          <a:ln cap="flat" cmpd="sng" w="9525">
+            <a:solidFill>
+              <a:srgbClr val="000000"/>
+            </a:solidFill>
+            <a:prstDash val="solid"/>
+            <a:round/>
+            <a:headEnd len="med" w="med" type="none"/>
+            <a:tailEnd len="med" w="med" type="none"/>
+          </a:ln>
+        </p:spPr>
+        <p:txBody>
+          <a:bodyPr anchorCtr="0" anchor="t" bIns="91425" lIns="91425" rIns="91425" wrap="square" tIns="91425">
+            <a:noAutofit/>
+          </a:bodyPr>
+          <a:lstStyle/>
+          <a:p>
+            <a:pPr indent="0" lvl="0" marL="0" rtl="0" algn="ctr">
+              <a:spcBef>
+                <a:spcPts val="0"/>
+              </a:spcBef>
+              <a:buNone/>
+            </a:pPr>
+            <a:r>
+              <a:rPr lang="en" sz="1200"/>
+              <a:t>Boss</a:t>
+            </a:r>
+          </a:p>
+          <a:p>
+            <a:pPr indent="0" lvl="0" marL="0" rtl="0" algn="ctr">
+              <a:spcBef>
+                <a:spcPts val="0"/>
+              </a:spcBef>
+              <a:buNone/>
+            </a:pPr>
+            <a:r>
+              <a:rPr lang="en" sz="800"/>
+              <a:t>Virtual class allowing bosses to be made.</a:t>
+            </a:r>
+          </a:p>
+          <a:p>
+            <a:pPr indent="0" lvl="0" marL="0" rtl="0">
+              <a:spcBef>
+                <a:spcPts val="0"/>
+              </a:spcBef>
+              <a:buNone/>
+            </a:pPr>
+            <a:r>
+              <a:t/>
+            </a:r>
+            <a:endParaRPr sz="800"/>
+          </a:p>
+          <a:p>
+            <a:pPr indent="0" lvl="0" marL="0" rtl="0">
+              <a:spcBef>
+                <a:spcPts val="0"/>
+              </a:spcBef>
+              <a:buNone/>
+            </a:pPr>
+            <a:r>
+              <a:t/>
+            </a:r>
+            <a:endParaRPr sz="800"/>
+          </a:p>
+        </p:txBody>
+      </p:sp>
+      <p:sp>
+        <p:nvSpPr>
+          <p:cNvPr id="84" name="Shape 84"/>
+          <p:cNvSpPr txBox="1"/>
+          <p:nvPr/>
+        </p:nvSpPr>
+        <p:spPr>
+          <a:xfrm>
+            <a:off x="152950" y="2579025"/>
+            <a:ext cx="926400" cy="688500"/>
+          </a:xfrm>
+          <a:prstGeom prst="rect">
+            <a:avLst/>
+          </a:prstGeom>
+          <a:noFill/>
+          <a:ln cap="flat" cmpd="sng" w="9525">
+            <a:solidFill>
+              <a:srgbClr val="000000"/>
+            </a:solidFill>
+            <a:prstDash val="solid"/>
+            <a:round/>
+            <a:headEnd len="med" w="med" type="none"/>
+            <a:tailEnd len="med" w="med" type="none"/>
+          </a:ln>
+        </p:spPr>
+        <p:txBody>
+          <a:bodyPr anchorCtr="0" anchor="t" bIns="91425" lIns="91425" rIns="91425" wrap="square" tIns="91425">
+            <a:noAutofit/>
+          </a:bodyPr>
+          <a:lstStyle/>
+          <a:p>
+            <a:pPr indent="0" lvl="0" marL="0" rtl="0" algn="ctr">
+              <a:spcBef>
+                <a:spcPts val="0"/>
+              </a:spcBef>
+              <a:buNone/>
+            </a:pPr>
+            <a:r>
+              <a:rPr lang="en" sz="1200"/>
+              <a:t>Boss1</a:t>
+            </a:r>
+          </a:p>
+          <a:p>
+            <a:pPr indent="0" lvl="0" marL="0" rtl="0" algn="ctr">
+              <a:spcBef>
+                <a:spcPts val="0"/>
+              </a:spcBef>
+              <a:buNone/>
+            </a:pPr>
+            <a:r>
+              <a:rPr lang="en" sz="800"/>
+              <a:t>First boss characteristics held here.</a:t>
+            </a:r>
+          </a:p>
+          <a:p>
+            <a:pPr indent="0" lvl="0" marL="0" rtl="0">
+              <a:spcBef>
+                <a:spcPts val="0"/>
+              </a:spcBef>
+              <a:buNone/>
+            </a:pPr>
+            <a:r>
+              <a:t/>
+            </a:r>
+            <a:endParaRPr sz="800"/>
+          </a:p>
+          <a:p>
+            <a:pPr indent="0" lvl="0" marL="0" rtl="0">
+              <a:spcBef>
+                <a:spcPts val="0"/>
+              </a:spcBef>
+              <a:buNone/>
+            </a:pPr>
+            <a:r>
+              <a:t/>
+            </a:r>
+            <a:endParaRPr sz="800"/>
+          </a:p>
+        </p:txBody>
+      </p:sp>
+      <p:sp>
+        <p:nvSpPr>
+          <p:cNvPr id="85" name="Shape 85"/>
+          <p:cNvSpPr txBox="1"/>
+          <p:nvPr/>
+        </p:nvSpPr>
+        <p:spPr>
+          <a:xfrm>
+            <a:off x="2281200" y="3626950"/>
+            <a:ext cx="832800" cy="796800"/>
+          </a:xfrm>
+          <a:prstGeom prst="rect">
+            <a:avLst/>
+          </a:prstGeom>
+          <a:noFill/>
+          <a:ln cap="flat" cmpd="sng" w="9525">
+            <a:solidFill>
+              <a:srgbClr val="000000"/>
+            </a:solidFill>
+            <a:prstDash val="solid"/>
+            <a:round/>
+            <a:headEnd len="med" w="med" type="none"/>
+            <a:tailEnd len="med" w="med" type="none"/>
+          </a:ln>
+        </p:spPr>
+        <p:txBody>
+          <a:bodyPr anchorCtr="0" anchor="t" bIns="91425" lIns="91425" rIns="91425" wrap="square" tIns="91425">
+            <a:noAutofit/>
+          </a:bodyPr>
+          <a:lstStyle/>
+          <a:p>
+            <a:pPr indent="0" lvl="0" marL="0" rtl="0" algn="ctr">
+              <a:spcBef>
+                <a:spcPts val="0"/>
+              </a:spcBef>
+              <a:buNone/>
+            </a:pPr>
+            <a:r>
+              <a:rPr lang="en" sz="1200"/>
+              <a:t>Boss4</a:t>
+            </a:r>
+          </a:p>
+          <a:p>
+            <a:pPr indent="0" lvl="0" marL="0" rtl="0" algn="ctr">
+              <a:spcBef>
+                <a:spcPts val="0"/>
+              </a:spcBef>
+              <a:buNone/>
+            </a:pPr>
+            <a:r>
+              <a:rPr lang="en" sz="800"/>
+              <a:t>Fourth and final boss characteristics held here.</a:t>
+            </a:r>
+          </a:p>
+          <a:p>
+            <a:pPr indent="0" lvl="0" marL="0" rtl="0">
+              <a:spcBef>
+                <a:spcPts val="0"/>
+              </a:spcBef>
+              <a:buNone/>
+            </a:pPr>
+            <a:r>
+              <a:t/>
+            </a:r>
+            <a:endParaRPr sz="800"/>
+          </a:p>
+          <a:p>
+            <a:pPr indent="0" lvl="0" marL="0" rtl="0">
+              <a:spcBef>
+                <a:spcPts val="0"/>
+              </a:spcBef>
+              <a:buNone/>
+            </a:pPr>
+            <a:r>
+              <a:t/>
+            </a:r>
+            <a:endParaRPr sz="800"/>
+          </a:p>
+        </p:txBody>
+      </p:sp>
+      <p:sp>
+        <p:nvSpPr>
+          <p:cNvPr id="86" name="Shape 86"/>
+          <p:cNvSpPr txBox="1"/>
+          <p:nvPr/>
+        </p:nvSpPr>
+        <p:spPr>
+          <a:xfrm>
+            <a:off x="1275450" y="3699250"/>
+            <a:ext cx="832800" cy="724500"/>
+          </a:xfrm>
+          <a:prstGeom prst="rect">
+            <a:avLst/>
+          </a:prstGeom>
+          <a:noFill/>
+          <a:ln cap="flat" cmpd="sng" w="9525">
+            <a:solidFill>
+              <a:srgbClr val="000000"/>
+            </a:solidFill>
+            <a:prstDash val="solid"/>
+            <a:round/>
+            <a:headEnd len="med" w="med" type="none"/>
+            <a:tailEnd len="med" w="med" type="none"/>
+          </a:ln>
+        </p:spPr>
+        <p:txBody>
+          <a:bodyPr anchorCtr="0" anchor="t" bIns="91425" lIns="91425" rIns="91425" wrap="square" tIns="91425">
+            <a:noAutofit/>
+          </a:bodyPr>
+          <a:lstStyle/>
+          <a:p>
+            <a:pPr indent="0" lvl="0" marL="0" rtl="0" algn="ctr">
+              <a:spcBef>
+                <a:spcPts val="0"/>
+              </a:spcBef>
+              <a:buNone/>
+            </a:pPr>
+            <a:r>
+              <a:rPr lang="en" sz="1200"/>
+              <a:t>Boss3</a:t>
+            </a:r>
+          </a:p>
+          <a:p>
+            <a:pPr indent="0" lvl="0" marL="0" rtl="0" algn="ctr">
+              <a:spcBef>
+                <a:spcPts val="0"/>
+              </a:spcBef>
+              <a:buNone/>
+            </a:pPr>
+            <a:r>
+              <a:rPr lang="en" sz="800"/>
+              <a:t>Third </a:t>
+            </a:r>
+            <a:r>
+              <a:rPr lang="en" sz="800"/>
+              <a:t>boss characteristics held here.</a:t>
+            </a:r>
+          </a:p>
+          <a:p>
+            <a:pPr indent="0" lvl="0" marL="0" rtl="0">
+              <a:spcBef>
+                <a:spcPts val="0"/>
+              </a:spcBef>
+              <a:buNone/>
+            </a:pPr>
+            <a:r>
+              <a:t/>
+            </a:r>
+            <a:endParaRPr sz="800"/>
+          </a:p>
+          <a:p>
+            <a:pPr indent="0" lvl="0" marL="0" rtl="0">
+              <a:spcBef>
+                <a:spcPts val="0"/>
+              </a:spcBef>
+              <a:buNone/>
+            </a:pPr>
+            <a:r>
+              <a:t/>
+            </a:r>
+            <a:endParaRPr sz="800"/>
+          </a:p>
+        </p:txBody>
+      </p:sp>
+      <p:sp>
+        <p:nvSpPr>
+          <p:cNvPr id="87" name="Shape 87"/>
+          <p:cNvSpPr txBox="1"/>
+          <p:nvPr/>
+        </p:nvSpPr>
+        <p:spPr>
+          <a:xfrm>
+            <a:off x="152950" y="3551050"/>
+            <a:ext cx="1026000" cy="688500"/>
+          </a:xfrm>
+          <a:prstGeom prst="rect">
+            <a:avLst/>
+          </a:prstGeom>
+          <a:noFill/>
+          <a:ln cap="flat" cmpd="sng" w="9525">
+            <a:solidFill>
+              <a:srgbClr val="000000"/>
+            </a:solidFill>
+            <a:prstDash val="solid"/>
+            <a:round/>
+            <a:headEnd len="med" w="med" type="none"/>
+            <a:tailEnd len="med" w="med" type="none"/>
+          </a:ln>
+        </p:spPr>
+        <p:txBody>
+          <a:bodyPr anchorCtr="0" anchor="t" bIns="91425" lIns="91425" rIns="91425" wrap="square" tIns="91425">
+            <a:noAutofit/>
+          </a:bodyPr>
+          <a:lstStyle/>
+          <a:p>
+            <a:pPr indent="0" lvl="0" marL="0" rtl="0" algn="ctr">
+              <a:spcBef>
+                <a:spcPts val="0"/>
+              </a:spcBef>
+              <a:buNone/>
+            </a:pPr>
+            <a:r>
+              <a:rPr lang="en" sz="1200"/>
+              <a:t>Boss2</a:t>
+            </a:r>
+          </a:p>
+          <a:p>
+            <a:pPr indent="0" lvl="0" marL="0" rtl="0" algn="ctr">
+              <a:spcBef>
+                <a:spcPts val="0"/>
+              </a:spcBef>
+              <a:buNone/>
+            </a:pPr>
+            <a:r>
+              <a:rPr lang="en" sz="800"/>
+              <a:t>Second</a:t>
+            </a:r>
+            <a:r>
+              <a:rPr lang="en" sz="800"/>
+              <a:t> boss characteristics held here.</a:t>
+            </a:r>
+          </a:p>
+          <a:p>
+            <a:pPr indent="0" lvl="0" marL="0" rtl="0">
+              <a:spcBef>
+                <a:spcPts val="0"/>
+              </a:spcBef>
+              <a:buNone/>
+            </a:pPr>
+            <a:r>
+              <a:t/>
+            </a:r>
+            <a:endParaRPr sz="800"/>
+          </a:p>
+          <a:p>
+            <a:pPr indent="0" lvl="0" marL="0" rtl="0">
               <a:spcBef>
                 <a:spcPts val="0"/>
               </a:spcBef>
@@ -4885,17 +6583,565 @@
       </p:sp>
       <p:cxnSp>
         <p:nvCxnSpPr>
-          <p:cNvPr id="69" name="Shape 69"/>
+          <p:cNvPr id="88" name="Shape 88"/>
           <p:cNvCxnSpPr>
-            <a:stCxn id="54" idx="3"/>
+            <a:endCxn id="59" idx="3"/>
+          </p:cNvCxnSpPr>
+          <p:nvPr/>
+        </p:nvCxnSpPr>
+        <p:spPr>
+          <a:xfrm flipH="1">
+            <a:off x="7789188" y="314300"/>
+            <a:ext cx="173700" cy="3300"/>
+          </a:xfrm>
+          <a:prstGeom prst="straightConnector1">
+            <a:avLst/>
+          </a:prstGeom>
+          <a:noFill/>
+          <a:ln cap="flat" cmpd="sng" w="9525">
+            <a:solidFill>
+              <a:schemeClr val="dk2"/>
+            </a:solidFill>
+            <a:prstDash val="solid"/>
+            <a:round/>
+            <a:headEnd len="lg" w="lg" type="none"/>
+            <a:tailEnd len="lg" w="lg" type="triangle"/>
+          </a:ln>
+        </p:spPr>
+      </p:cxnSp>
+      <p:cxnSp>
+        <p:nvCxnSpPr>
+          <p:cNvPr id="89" name="Shape 89"/>
+          <p:cNvCxnSpPr>
+            <a:stCxn id="80" idx="0"/>
+            <a:endCxn id="59" idx="2"/>
+          </p:cNvCxnSpPr>
+          <p:nvPr/>
+        </p:nvCxnSpPr>
+        <p:spPr>
+          <a:xfrm rot="10800000">
+            <a:off x="7308750" y="527750"/>
+            <a:ext cx="1256400" cy="117000"/>
+          </a:xfrm>
+          <a:prstGeom prst="straightConnector1">
+            <a:avLst/>
+          </a:prstGeom>
+          <a:noFill/>
+          <a:ln cap="flat" cmpd="sng" w="9525">
+            <a:solidFill>
+              <a:schemeClr val="dk2"/>
+            </a:solidFill>
+            <a:prstDash val="solid"/>
+            <a:round/>
+            <a:headEnd len="lg" w="lg" type="none"/>
+            <a:tailEnd len="lg" w="lg" type="triangle"/>
+          </a:ln>
+        </p:spPr>
+      </p:cxnSp>
+      <p:cxnSp>
+        <p:nvCxnSpPr>
+          <p:cNvPr id="90" name="Shape 90"/>
+          <p:cNvCxnSpPr>
+            <a:stCxn id="61" idx="0"/>
+            <a:endCxn id="59" idx="2"/>
+          </p:cNvCxnSpPr>
+          <p:nvPr/>
+        </p:nvCxnSpPr>
+        <p:spPr>
+          <a:xfrm rot="10800000">
+            <a:off x="7308975" y="527738"/>
+            <a:ext cx="46200" cy="117000"/>
+          </a:xfrm>
+          <a:prstGeom prst="straightConnector1">
+            <a:avLst/>
+          </a:prstGeom>
+          <a:noFill/>
+          <a:ln cap="flat" cmpd="sng" w="9525">
+            <a:solidFill>
+              <a:schemeClr val="dk2"/>
+            </a:solidFill>
+            <a:prstDash val="solid"/>
+            <a:round/>
+            <a:headEnd len="lg" w="lg" type="none"/>
+            <a:tailEnd len="lg" w="lg" type="triangle"/>
+          </a:ln>
+        </p:spPr>
+      </p:cxnSp>
+      <p:cxnSp>
+        <p:nvCxnSpPr>
+          <p:cNvPr id="91" name="Shape 91"/>
+          <p:cNvCxnSpPr>
             <a:endCxn id="59" idx="1"/>
           </p:cNvCxnSpPr>
           <p:nvPr/>
         </p:nvCxnSpPr>
         <p:spPr>
           <a:xfrm flipH="1" rot="10800000">
-            <a:off x="3670825" y="317450"/>
-            <a:ext cx="2245500" cy="70200"/>
+            <a:off x="6318288" y="317600"/>
+            <a:ext cx="510300" cy="326700"/>
+          </a:xfrm>
+          <a:prstGeom prst="straightConnector1">
+            <a:avLst/>
+          </a:prstGeom>
+          <a:noFill/>
+          <a:ln cap="flat" cmpd="sng" w="9525">
+            <a:solidFill>
+              <a:schemeClr val="dk2"/>
+            </a:solidFill>
+            <a:prstDash val="solid"/>
+            <a:round/>
+            <a:headEnd len="lg" w="lg" type="none"/>
+            <a:tailEnd len="lg" w="lg" type="triangle"/>
+          </a:ln>
+        </p:spPr>
+      </p:cxnSp>
+      <p:cxnSp>
+        <p:nvCxnSpPr>
+          <p:cNvPr id="92" name="Shape 92"/>
+          <p:cNvCxnSpPr>
+            <a:stCxn id="70" idx="1"/>
+            <a:endCxn id="55" idx="3"/>
+          </p:cNvCxnSpPr>
+          <p:nvPr/>
+        </p:nvCxnSpPr>
+        <p:spPr>
+          <a:xfrm flipH="1">
+            <a:off x="6071550" y="1551638"/>
+            <a:ext cx="237300" cy="12000"/>
+          </a:xfrm>
+          <a:prstGeom prst="straightConnector1">
+            <a:avLst/>
+          </a:prstGeom>
+          <a:noFill/>
+          <a:ln cap="flat" cmpd="sng" w="9525">
+            <a:solidFill>
+              <a:schemeClr val="dk2"/>
+            </a:solidFill>
+            <a:prstDash val="solid"/>
+            <a:round/>
+            <a:headEnd len="lg" w="lg" type="none"/>
+            <a:tailEnd len="lg" w="lg" type="triangle"/>
+          </a:ln>
+        </p:spPr>
+      </p:cxnSp>
+      <p:cxnSp>
+        <p:nvCxnSpPr>
+          <p:cNvPr id="93" name="Shape 93"/>
+          <p:cNvCxnSpPr>
+            <a:endCxn id="70" idx="3"/>
+          </p:cNvCxnSpPr>
+          <p:nvPr/>
+        </p:nvCxnSpPr>
+        <p:spPr>
+          <a:xfrm rot="10800000">
+            <a:off x="7552050" y="1551638"/>
+            <a:ext cx="230100" cy="24000"/>
+          </a:xfrm>
+          <a:prstGeom prst="straightConnector1">
+            <a:avLst/>
+          </a:prstGeom>
+          <a:noFill/>
+          <a:ln cap="flat" cmpd="sng" w="9525">
+            <a:solidFill>
+              <a:schemeClr val="dk2"/>
+            </a:solidFill>
+            <a:prstDash val="solid"/>
+            <a:round/>
+            <a:headEnd len="lg" w="lg" type="none"/>
+            <a:tailEnd len="lg" w="lg" type="triangle"/>
+          </a:ln>
+        </p:spPr>
+      </p:cxnSp>
+      <p:cxnSp>
+        <p:nvCxnSpPr>
+          <p:cNvPr id="94" name="Shape 94"/>
+          <p:cNvCxnSpPr>
+            <a:stCxn id="73" idx="0"/>
+            <a:endCxn id="70" idx="2"/>
+          </p:cNvCxnSpPr>
+          <p:nvPr/>
+        </p:nvCxnSpPr>
+        <p:spPr>
+          <a:xfrm rot="10800000">
+            <a:off x="6930600" y="1846850"/>
+            <a:ext cx="736500" cy="268800"/>
+          </a:xfrm>
+          <a:prstGeom prst="straightConnector1">
+            <a:avLst/>
+          </a:prstGeom>
+          <a:noFill/>
+          <a:ln cap="flat" cmpd="sng" w="9525">
+            <a:solidFill>
+              <a:schemeClr val="dk2"/>
+            </a:solidFill>
+            <a:prstDash val="solid"/>
+            <a:round/>
+            <a:headEnd len="lg" w="lg" type="none"/>
+            <a:tailEnd len="lg" w="lg" type="triangle"/>
+          </a:ln>
+        </p:spPr>
+      </p:cxnSp>
+      <p:cxnSp>
+        <p:nvCxnSpPr>
+          <p:cNvPr id="95" name="Shape 95"/>
+          <p:cNvCxnSpPr>
+            <a:stCxn id="74" idx="0"/>
+            <a:endCxn id="70" idx="2"/>
+          </p:cNvCxnSpPr>
+          <p:nvPr/>
+        </p:nvCxnSpPr>
+        <p:spPr>
+          <a:xfrm rot="10800000">
+            <a:off x="6930550" y="1846850"/>
+            <a:ext cx="1770600" cy="268800"/>
+          </a:xfrm>
+          <a:prstGeom prst="straightConnector1">
+            <a:avLst/>
+          </a:prstGeom>
+          <a:noFill/>
+          <a:ln cap="flat" cmpd="sng" w="9525">
+            <a:solidFill>
+              <a:schemeClr val="dk2"/>
+            </a:solidFill>
+            <a:prstDash val="solid"/>
+            <a:round/>
+            <a:headEnd len="lg" w="lg" type="none"/>
+            <a:tailEnd len="lg" w="lg" type="triangle"/>
+          </a:ln>
+        </p:spPr>
+      </p:cxnSp>
+      <p:cxnSp>
+        <p:nvCxnSpPr>
+          <p:cNvPr id="96" name="Shape 96"/>
+          <p:cNvCxnSpPr>
+            <a:stCxn id="72" idx="0"/>
+            <a:endCxn id="70" idx="2"/>
+          </p:cNvCxnSpPr>
+          <p:nvPr/>
+        </p:nvCxnSpPr>
+        <p:spPr>
+          <a:xfrm flipH="1" rot="10800000">
+            <a:off x="6663300" y="1846850"/>
+            <a:ext cx="267300" cy="268800"/>
+          </a:xfrm>
+          <a:prstGeom prst="straightConnector1">
+            <a:avLst/>
+          </a:prstGeom>
+          <a:noFill/>
+          <a:ln cap="flat" cmpd="sng" w="9525">
+            <a:solidFill>
+              <a:schemeClr val="dk2"/>
+            </a:solidFill>
+            <a:prstDash val="solid"/>
+            <a:round/>
+            <a:headEnd len="lg" w="lg" type="none"/>
+            <a:tailEnd len="lg" w="lg" type="triangle"/>
+          </a:ln>
+        </p:spPr>
+      </p:cxnSp>
+      <p:cxnSp>
+        <p:nvCxnSpPr>
+          <p:cNvPr id="97" name="Shape 97"/>
+          <p:cNvCxnSpPr>
+            <a:stCxn id="64" idx="0"/>
+            <a:endCxn id="55" idx="2"/>
+          </p:cNvCxnSpPr>
+          <p:nvPr/>
+        </p:nvCxnSpPr>
+        <p:spPr>
+          <a:xfrm flipH="1" rot="10800000">
+            <a:off x="5079550" y="1858863"/>
+            <a:ext cx="60300" cy="389100"/>
+          </a:xfrm>
+          <a:prstGeom prst="straightConnector1">
+            <a:avLst/>
+          </a:prstGeom>
+          <a:noFill/>
+          <a:ln cap="flat" cmpd="sng" w="9525">
+            <a:solidFill>
+              <a:schemeClr val="dk2"/>
+            </a:solidFill>
+            <a:prstDash val="solid"/>
+            <a:round/>
+            <a:headEnd len="lg" w="lg" type="none"/>
+            <a:tailEnd len="lg" w="lg" type="triangle"/>
+          </a:ln>
+        </p:spPr>
+      </p:cxnSp>
+      <p:cxnSp>
+        <p:nvCxnSpPr>
+          <p:cNvPr id="98" name="Shape 98"/>
+          <p:cNvCxnSpPr>
+            <a:stCxn id="67" idx="0"/>
+            <a:endCxn id="55" idx="2"/>
+          </p:cNvCxnSpPr>
+          <p:nvPr/>
+        </p:nvCxnSpPr>
+        <p:spPr>
+          <a:xfrm rot="10800000">
+            <a:off x="5139900" y="1858925"/>
+            <a:ext cx="1256700" cy="1079400"/>
+          </a:xfrm>
+          <a:prstGeom prst="straightConnector1">
+            <a:avLst/>
+          </a:prstGeom>
+          <a:noFill/>
+          <a:ln cap="flat" cmpd="sng" w="9525">
+            <a:solidFill>
+              <a:schemeClr val="dk2"/>
+            </a:solidFill>
+            <a:prstDash val="solid"/>
+            <a:round/>
+            <a:headEnd len="lg" w="lg" type="none"/>
+            <a:tailEnd len="lg" w="lg" type="triangle"/>
+          </a:ln>
+        </p:spPr>
+      </p:cxnSp>
+      <p:cxnSp>
+        <p:nvCxnSpPr>
+          <p:cNvPr id="99" name="Shape 99"/>
+          <p:cNvCxnSpPr>
+            <a:stCxn id="56" idx="3"/>
+            <a:endCxn id="55" idx="1"/>
+          </p:cNvCxnSpPr>
+          <p:nvPr/>
+        </p:nvCxnSpPr>
+        <p:spPr>
+          <a:xfrm>
+            <a:off x="2792600" y="1367713"/>
+            <a:ext cx="1415400" cy="195900"/>
+          </a:xfrm>
+          <a:prstGeom prst="straightConnector1">
+            <a:avLst/>
+          </a:prstGeom>
+          <a:noFill/>
+          <a:ln cap="flat" cmpd="sng" w="9525">
+            <a:solidFill>
+              <a:schemeClr val="dk2"/>
+            </a:solidFill>
+            <a:prstDash val="solid"/>
+            <a:round/>
+            <a:headEnd len="lg" w="lg" type="none"/>
+            <a:tailEnd len="lg" w="lg" type="triangle"/>
+          </a:ln>
+        </p:spPr>
+      </p:cxnSp>
+      <p:cxnSp>
+        <p:nvCxnSpPr>
+          <p:cNvPr id="100" name="Shape 100"/>
+          <p:cNvCxnSpPr>
+            <a:stCxn id="78" idx="1"/>
+            <a:endCxn id="67" idx="3"/>
+          </p:cNvCxnSpPr>
+          <p:nvPr/>
+        </p:nvCxnSpPr>
+        <p:spPr>
+          <a:xfrm rot="10800000">
+            <a:off x="7108200" y="3282575"/>
+            <a:ext cx="209700" cy="0"/>
+          </a:xfrm>
+          <a:prstGeom prst="straightConnector1">
+            <a:avLst/>
+          </a:prstGeom>
+          <a:noFill/>
+          <a:ln cap="flat" cmpd="sng" w="9525">
+            <a:solidFill>
+              <a:schemeClr val="dk2"/>
+            </a:solidFill>
+            <a:prstDash val="solid"/>
+            <a:round/>
+            <a:headEnd len="lg" w="lg" type="none"/>
+            <a:tailEnd len="lg" w="lg" type="triangle"/>
+          </a:ln>
+        </p:spPr>
+      </p:cxnSp>
+      <p:cxnSp>
+        <p:nvCxnSpPr>
+          <p:cNvPr id="101" name="Shape 101"/>
+          <p:cNvCxnSpPr>
+            <a:stCxn id="79" idx="3"/>
+            <a:endCxn id="67" idx="1"/>
+          </p:cNvCxnSpPr>
+          <p:nvPr/>
+        </p:nvCxnSpPr>
+        <p:spPr>
+          <a:xfrm>
+            <a:off x="5475288" y="3282575"/>
+            <a:ext cx="209700" cy="0"/>
+          </a:xfrm>
+          <a:prstGeom prst="straightConnector1">
+            <a:avLst/>
+          </a:prstGeom>
+          <a:noFill/>
+          <a:ln cap="flat" cmpd="sng" w="9525">
+            <a:solidFill>
+              <a:schemeClr val="dk2"/>
+            </a:solidFill>
+            <a:prstDash val="solid"/>
+            <a:round/>
+            <a:headEnd len="lg" w="lg" type="none"/>
+            <a:tailEnd len="lg" w="lg" type="triangle"/>
+          </a:ln>
+        </p:spPr>
+      </p:cxnSp>
+      <p:cxnSp>
+        <p:nvCxnSpPr>
+          <p:cNvPr id="102" name="Shape 102"/>
+          <p:cNvCxnSpPr>
+            <a:stCxn id="77" idx="0"/>
+            <a:endCxn id="67" idx="2"/>
+          </p:cNvCxnSpPr>
+          <p:nvPr/>
+        </p:nvCxnSpPr>
+        <p:spPr>
+          <a:xfrm rot="10800000">
+            <a:off x="6396550" y="3626775"/>
+            <a:ext cx="92100" cy="356400"/>
+          </a:xfrm>
+          <a:prstGeom prst="straightConnector1">
+            <a:avLst/>
+          </a:prstGeom>
+          <a:noFill/>
+          <a:ln cap="flat" cmpd="sng" w="9525">
+            <a:solidFill>
+              <a:schemeClr val="dk2"/>
+            </a:solidFill>
+            <a:prstDash val="solid"/>
+            <a:round/>
+            <a:headEnd len="lg" w="lg" type="none"/>
+            <a:tailEnd len="lg" w="lg" type="triangle"/>
+          </a:ln>
+        </p:spPr>
+      </p:cxnSp>
+      <p:cxnSp>
+        <p:nvCxnSpPr>
+          <p:cNvPr id="103" name="Shape 103"/>
+          <p:cNvCxnSpPr>
+            <a:stCxn id="68" idx="0"/>
+            <a:endCxn id="67" idx="2"/>
+          </p:cNvCxnSpPr>
+          <p:nvPr/>
+        </p:nvCxnSpPr>
+        <p:spPr>
+          <a:xfrm rot="10800000">
+            <a:off x="6396600" y="3626775"/>
+            <a:ext cx="1161300" cy="356400"/>
+          </a:xfrm>
+          <a:prstGeom prst="straightConnector1">
+            <a:avLst/>
+          </a:prstGeom>
+          <a:noFill/>
+          <a:ln cap="flat" cmpd="sng" w="9525">
+            <a:solidFill>
+              <a:schemeClr val="dk2"/>
+            </a:solidFill>
+            <a:prstDash val="solid"/>
+            <a:round/>
+            <a:headEnd len="lg" w="lg" type="none"/>
+            <a:tailEnd len="lg" w="lg" type="triangle"/>
+          </a:ln>
+        </p:spPr>
+      </p:cxnSp>
+      <p:cxnSp>
+        <p:nvCxnSpPr>
+          <p:cNvPr id="104" name="Shape 104"/>
+          <p:cNvCxnSpPr>
+            <a:stCxn id="66" idx="0"/>
+            <a:endCxn id="67" idx="2"/>
+          </p:cNvCxnSpPr>
+          <p:nvPr/>
+        </p:nvCxnSpPr>
+        <p:spPr>
+          <a:xfrm rot="10800000">
+            <a:off x="6396600" y="3626950"/>
+            <a:ext cx="2199000" cy="356100"/>
+          </a:xfrm>
+          <a:prstGeom prst="straightConnector1">
+            <a:avLst/>
+          </a:prstGeom>
+          <a:noFill/>
+          <a:ln cap="flat" cmpd="sng" w="9525">
+            <a:solidFill>
+              <a:schemeClr val="dk2"/>
+            </a:solidFill>
+            <a:prstDash val="solid"/>
+            <a:round/>
+            <a:headEnd len="lg" w="lg" type="none"/>
+            <a:tailEnd len="lg" w="lg" type="triangle"/>
+          </a:ln>
+        </p:spPr>
+      </p:cxnSp>
+      <p:cxnSp>
+        <p:nvCxnSpPr>
+          <p:cNvPr id="105" name="Shape 105"/>
+          <p:cNvCxnSpPr>
+            <a:stCxn id="76" idx="0"/>
+            <a:endCxn id="67" idx="2"/>
+          </p:cNvCxnSpPr>
+          <p:nvPr/>
+        </p:nvCxnSpPr>
+        <p:spPr>
+          <a:xfrm flipH="1" rot="10800000">
+            <a:off x="5293350" y="3626950"/>
+            <a:ext cx="1103400" cy="356100"/>
+          </a:xfrm>
+          <a:prstGeom prst="straightConnector1">
+            <a:avLst/>
+          </a:prstGeom>
+          <a:noFill/>
+          <a:ln cap="flat" cmpd="sng" w="9525">
+            <a:solidFill>
+              <a:schemeClr val="dk2"/>
+            </a:solidFill>
+            <a:prstDash val="solid"/>
+            <a:round/>
+            <a:headEnd len="lg" w="lg" type="none"/>
+            <a:tailEnd len="lg" w="lg" type="triangle"/>
+          </a:ln>
+        </p:spPr>
+      </p:cxnSp>
+      <p:cxnSp>
+        <p:nvCxnSpPr>
+          <p:cNvPr id="106" name="Shape 106"/>
+          <p:cNvCxnSpPr>
+            <a:stCxn id="62" idx="3"/>
+            <a:endCxn id="55" idx="1"/>
+          </p:cNvCxnSpPr>
+          <p:nvPr/>
+        </p:nvCxnSpPr>
+        <p:spPr>
+          <a:xfrm flipH="1" rot="10800000">
+            <a:off x="3895175" y="1563538"/>
+            <a:ext cx="312900" cy="1480800"/>
+          </a:xfrm>
+          <a:prstGeom prst="straightConnector1">
+            <a:avLst/>
+          </a:prstGeom>
+          <a:noFill/>
+          <a:ln cap="flat" cmpd="sng" w="9525">
+            <a:solidFill>
+              <a:schemeClr val="dk2"/>
+            </a:solidFill>
+            <a:prstDash val="solid"/>
+            <a:round/>
+            <a:headEnd len="lg" w="lg" type="none"/>
+            <a:tailEnd len="lg" w="lg" type="triangle"/>
+          </a:ln>
+        </p:spPr>
+      </p:cxnSp>
+      <p:cxnSp>
+        <p:nvCxnSpPr>
+          <p:cNvPr id="107" name="Shape 107"/>
+          <p:cNvCxnSpPr>
+            <a:stCxn id="69" idx="0"/>
+            <a:endCxn id="54" idx="2"/>
+          </p:cNvCxnSpPr>
+          <p:nvPr/>
+        </p:nvCxnSpPr>
+        <p:spPr>
+          <a:xfrm rot="10800000">
+            <a:off x="3317850" y="667850"/>
+            <a:ext cx="55200" cy="229800"/>
           </a:xfrm>
           <a:prstGeom prst="straightConnector1">
             <a:avLst/>
@@ -4914,17 +7160,133 @@
       </p:cxnSp>
       <p:cxnSp>
         <p:nvCxnSpPr>
-          <p:cNvPr id="70" name="Shape 70"/>
+          <p:cNvPr id="108" name="Shape 108"/>
           <p:cNvCxnSpPr>
-            <a:stCxn id="60" idx="0"/>
-            <a:endCxn id="59" idx="2"/>
+            <a:stCxn id="65" idx="3"/>
+            <a:endCxn id="54" idx="1"/>
           </p:cNvCxnSpPr>
           <p:nvPr/>
         </p:nvCxnSpPr>
         <p:spPr>
-          <a:xfrm rot="10800000">
-            <a:off x="6651300" y="527900"/>
-            <a:ext cx="0" cy="330000"/>
+          <a:xfrm>
+            <a:off x="2236050" y="362300"/>
+            <a:ext cx="346800" cy="25500"/>
+          </a:xfrm>
+          <a:prstGeom prst="straightConnector1">
+            <a:avLst/>
+          </a:prstGeom>
+          <a:noFill/>
+          <a:ln cap="flat" cmpd="sng" w="9525">
+            <a:solidFill>
+              <a:schemeClr val="dk2"/>
+            </a:solidFill>
+            <a:prstDash val="solid"/>
+            <a:round/>
+            <a:headEnd len="lg" w="lg" type="none"/>
+            <a:tailEnd len="lg" w="lg" type="none"/>
+          </a:ln>
+        </p:spPr>
+      </p:cxnSp>
+      <p:cxnSp>
+        <p:nvCxnSpPr>
+          <p:cNvPr id="109" name="Shape 109"/>
+          <p:cNvCxnSpPr>
+            <a:stCxn id="54" idx="3"/>
+            <a:endCxn id="63" idx="1"/>
+          </p:cNvCxnSpPr>
+          <p:nvPr/>
+        </p:nvCxnSpPr>
+        <p:spPr>
+          <a:xfrm>
+            <a:off x="4052650" y="387650"/>
+            <a:ext cx="316800" cy="84000"/>
+          </a:xfrm>
+          <a:prstGeom prst="straightConnector1">
+            <a:avLst/>
+          </a:prstGeom>
+          <a:noFill/>
+          <a:ln cap="flat" cmpd="sng" w="9525">
+            <a:solidFill>
+              <a:schemeClr val="dk2"/>
+            </a:solidFill>
+            <a:prstDash val="solid"/>
+            <a:round/>
+            <a:headEnd len="lg" w="lg" type="none"/>
+            <a:tailEnd len="lg" w="lg" type="none"/>
+          </a:ln>
+        </p:spPr>
+      </p:cxnSp>
+      <p:cxnSp>
+        <p:nvCxnSpPr>
+          <p:cNvPr id="110" name="Shape 110"/>
+          <p:cNvCxnSpPr>
+            <a:stCxn id="54" idx="2"/>
+            <a:endCxn id="55" idx="0"/>
+          </p:cNvCxnSpPr>
+          <p:nvPr/>
+        </p:nvCxnSpPr>
+        <p:spPr>
+          <a:xfrm>
+            <a:off x="3317800" y="667850"/>
+            <a:ext cx="1822200" cy="600300"/>
+          </a:xfrm>
+          <a:prstGeom prst="straightConnector1">
+            <a:avLst/>
+          </a:prstGeom>
+          <a:noFill/>
+          <a:ln cap="flat" cmpd="sng" w="9525">
+            <a:solidFill>
+              <a:schemeClr val="dk2"/>
+            </a:solidFill>
+            <a:prstDash val="solid"/>
+            <a:round/>
+            <a:headEnd len="lg" w="lg" type="none"/>
+            <a:tailEnd len="lg" w="lg" type="none"/>
+          </a:ln>
+        </p:spPr>
+      </p:cxnSp>
+      <p:cxnSp>
+        <p:nvCxnSpPr>
+          <p:cNvPr id="111" name="Shape 111"/>
+          <p:cNvCxnSpPr>
+            <a:stCxn id="63" idx="2"/>
+            <a:endCxn id="55" idx="0"/>
+          </p:cNvCxnSpPr>
+          <p:nvPr/>
+        </p:nvCxnSpPr>
+        <p:spPr>
+          <a:xfrm>
+            <a:off x="5080950" y="869900"/>
+            <a:ext cx="58800" cy="398400"/>
+          </a:xfrm>
+          <a:prstGeom prst="straightConnector1">
+            <a:avLst/>
+          </a:prstGeom>
+          <a:noFill/>
+          <a:ln cap="flat" cmpd="sng" w="9525">
+            <a:solidFill>
+              <a:schemeClr val="dk2"/>
+            </a:solidFill>
+            <a:prstDash val="solid"/>
+            <a:round/>
+            <a:headEnd len="lg" w="lg" type="none"/>
+            <a:tailEnd len="lg" w="lg" type="none"/>
+          </a:ln>
+        </p:spPr>
+      </p:cxnSp>
+      <p:cxnSp>
+        <p:nvCxnSpPr>
+          <p:cNvPr id="112" name="Shape 112"/>
+          <p:cNvCxnSpPr>
+            <a:stCxn id="57" idx="3"/>
+            <a:endCxn id="56" idx="1"/>
+          </p:cNvCxnSpPr>
+          <p:nvPr/>
+        </p:nvCxnSpPr>
+        <p:spPr>
+          <a:xfrm>
+            <a:off x="1025050" y="480950"/>
+            <a:ext cx="553200" cy="886800"/>
           </a:xfrm>
           <a:prstGeom prst="straightConnector1">
             <a:avLst/>
@@ -4943,17 +7305,17 @@
       </p:cxnSp>
       <p:cxnSp>
         <p:nvCxnSpPr>
-          <p:cNvPr id="71" name="Shape 71"/>
+          <p:cNvPr id="113" name="Shape 113"/>
           <p:cNvCxnSpPr>
-            <a:stCxn id="58" idx="0"/>
-            <a:endCxn id="59" idx="3"/>
+            <a:stCxn id="82" idx="3"/>
+            <a:endCxn id="56" idx="1"/>
           </p:cNvCxnSpPr>
           <p:nvPr/>
         </p:nvCxnSpPr>
         <p:spPr>
-          <a:xfrm rot="10800000">
-            <a:off x="7386075" y="317600"/>
-            <a:ext cx="824700" cy="540300"/>
+          <a:xfrm>
+            <a:off x="1167850" y="1200500"/>
+            <a:ext cx="410400" cy="167100"/>
           </a:xfrm>
           <a:prstGeom prst="straightConnector1">
             <a:avLst/>
@@ -4972,17 +7334,190 @@
       </p:cxnSp>
       <p:cxnSp>
         <p:nvCxnSpPr>
-          <p:cNvPr id="72" name="Shape 72"/>
+          <p:cNvPr id="114" name="Shape 114"/>
           <p:cNvCxnSpPr>
-            <a:stCxn id="65" idx="3"/>
-            <a:endCxn id="54" idx="1"/>
+            <a:stCxn id="81" idx="3"/>
+            <a:endCxn id="56" idx="1"/>
           </p:cNvCxnSpPr>
           <p:nvPr/>
         </p:nvCxnSpPr>
         <p:spPr>
+          <a:xfrm flipH="1" rot="10800000">
+            <a:off x="1167850" y="1367750"/>
+            <a:ext cx="410400" cy="657900"/>
+          </a:xfrm>
+          <a:prstGeom prst="straightConnector1">
+            <a:avLst/>
+          </a:prstGeom>
+          <a:noFill/>
+          <a:ln cap="flat" cmpd="sng" w="9525">
+            <a:solidFill>
+              <a:schemeClr val="dk2"/>
+            </a:solidFill>
+            <a:prstDash val="solid"/>
+            <a:round/>
+            <a:headEnd len="lg" w="lg" type="none"/>
+            <a:tailEnd len="lg" w="lg" type="triangle"/>
+          </a:ln>
+        </p:spPr>
+      </p:cxnSp>
+      <p:cxnSp>
+        <p:nvCxnSpPr>
+          <p:cNvPr id="115" name="Shape 115"/>
+          <p:cNvCxnSpPr>
+            <a:stCxn id="83" idx="0"/>
+            <a:endCxn id="56" idx="2"/>
+          </p:cNvCxnSpPr>
+          <p:nvPr/>
+        </p:nvCxnSpPr>
+        <p:spPr>
+          <a:xfrm flipH="1" rot="10800000">
+            <a:off x="2073550" y="1766213"/>
+            <a:ext cx="111900" cy="581400"/>
+          </a:xfrm>
+          <a:prstGeom prst="straightConnector1">
+            <a:avLst/>
+          </a:prstGeom>
+          <a:noFill/>
+          <a:ln cap="flat" cmpd="sng" w="9525">
+            <a:solidFill>
+              <a:schemeClr val="dk2"/>
+            </a:solidFill>
+            <a:prstDash val="solid"/>
+            <a:round/>
+            <a:headEnd len="lg" w="lg" type="none"/>
+            <a:tailEnd len="lg" w="lg" type="triangle"/>
+          </a:ln>
+        </p:spPr>
+      </p:cxnSp>
+      <p:cxnSp>
+        <p:nvCxnSpPr>
+          <p:cNvPr id="116" name="Shape 116"/>
+          <p:cNvCxnSpPr>
+            <a:stCxn id="84" idx="3"/>
+            <a:endCxn id="83" idx="1"/>
+          </p:cNvCxnSpPr>
+          <p:nvPr/>
+        </p:nvCxnSpPr>
+        <p:spPr>
+          <a:xfrm flipH="1" rot="10800000">
+            <a:off x="1079350" y="2643075"/>
+            <a:ext cx="387000" cy="280200"/>
+          </a:xfrm>
+          <a:prstGeom prst="straightConnector1">
+            <a:avLst/>
+          </a:prstGeom>
+          <a:noFill/>
+          <a:ln cap="flat" cmpd="sng" w="9525">
+            <a:solidFill>
+              <a:schemeClr val="dk2"/>
+            </a:solidFill>
+            <a:prstDash val="solid"/>
+            <a:round/>
+            <a:headEnd len="lg" w="lg" type="none"/>
+            <a:tailEnd len="lg" w="lg" type="triangle"/>
+          </a:ln>
+        </p:spPr>
+      </p:cxnSp>
+      <p:cxnSp>
+        <p:nvCxnSpPr>
+          <p:cNvPr id="117" name="Shape 117"/>
+          <p:cNvCxnSpPr>
+            <a:stCxn id="87" idx="0"/>
+            <a:endCxn id="83" idx="2"/>
+          </p:cNvCxnSpPr>
+          <p:nvPr/>
+        </p:nvCxnSpPr>
+        <p:spPr>
+          <a:xfrm flipH="1" rot="10800000">
+            <a:off x="665950" y="2938450"/>
+            <a:ext cx="1407600" cy="612600"/>
+          </a:xfrm>
+          <a:prstGeom prst="straightConnector1">
+            <a:avLst/>
+          </a:prstGeom>
+          <a:noFill/>
+          <a:ln cap="flat" cmpd="sng" w="9525">
+            <a:solidFill>
+              <a:schemeClr val="dk2"/>
+            </a:solidFill>
+            <a:prstDash val="solid"/>
+            <a:round/>
+            <a:headEnd len="lg" w="lg" type="none"/>
+            <a:tailEnd len="lg" w="lg" type="triangle"/>
+          </a:ln>
+        </p:spPr>
+      </p:cxnSp>
+      <p:cxnSp>
+        <p:nvCxnSpPr>
+          <p:cNvPr id="118" name="Shape 118"/>
+          <p:cNvCxnSpPr>
+            <a:stCxn id="86" idx="0"/>
+            <a:endCxn id="83" idx="2"/>
+          </p:cNvCxnSpPr>
+          <p:nvPr/>
+        </p:nvCxnSpPr>
+        <p:spPr>
+          <a:xfrm flipH="1" rot="10800000">
+            <a:off x="1691850" y="2938450"/>
+            <a:ext cx="381600" cy="760800"/>
+          </a:xfrm>
+          <a:prstGeom prst="straightConnector1">
+            <a:avLst/>
+          </a:prstGeom>
+          <a:noFill/>
+          <a:ln cap="flat" cmpd="sng" w="9525">
+            <a:solidFill>
+              <a:schemeClr val="dk2"/>
+            </a:solidFill>
+            <a:prstDash val="solid"/>
+            <a:round/>
+            <a:headEnd len="lg" w="lg" type="none"/>
+            <a:tailEnd len="lg" w="lg" type="triangle"/>
+          </a:ln>
+        </p:spPr>
+      </p:cxnSp>
+      <p:cxnSp>
+        <p:nvCxnSpPr>
+          <p:cNvPr id="119" name="Shape 119"/>
+          <p:cNvCxnSpPr>
+            <a:stCxn id="85" idx="0"/>
+            <a:endCxn id="83" idx="2"/>
+          </p:cNvCxnSpPr>
+          <p:nvPr/>
+        </p:nvCxnSpPr>
+        <p:spPr>
+          <a:xfrm rot="10800000">
+            <a:off x="2073600" y="2938450"/>
+            <a:ext cx="624000" cy="688500"/>
+          </a:xfrm>
+          <a:prstGeom prst="straightConnector1">
+            <a:avLst/>
+          </a:prstGeom>
+          <a:noFill/>
+          <a:ln cap="flat" cmpd="sng" w="9525">
+            <a:solidFill>
+              <a:schemeClr val="dk2"/>
+            </a:solidFill>
+            <a:prstDash val="solid"/>
+            <a:round/>
+            <a:headEnd len="lg" w="lg" type="none"/>
+            <a:tailEnd len="lg" w="lg" type="triangle"/>
+          </a:ln>
+        </p:spPr>
+      </p:cxnSp>
+      <p:cxnSp>
+        <p:nvCxnSpPr>
+          <p:cNvPr id="120" name="Shape 120"/>
+          <p:cNvCxnSpPr>
+            <a:endCxn id="75" idx="0"/>
+          </p:cNvCxnSpPr>
+          <p:nvPr/>
+        </p:nvCxnSpPr>
+        <p:spPr>
           <a:xfrm>
-            <a:off x="1641925" y="387650"/>
-            <a:ext cx="559200" cy="0"/>
+            <a:off x="3381688" y="1350588"/>
+            <a:ext cx="19200" cy="241200"/>
           </a:xfrm>
           <a:prstGeom prst="straightConnector1">
             <a:avLst/>
@@ -4999,296 +7534,6 @@
           </a:ln>
         </p:spPr>
       </p:cxnSp>
-      <p:cxnSp>
-        <p:nvCxnSpPr>
-          <p:cNvPr id="73" name="Shape 73"/>
-          <p:cNvCxnSpPr>
-            <a:stCxn id="55" idx="0"/>
-            <a:endCxn id="63" idx="2"/>
-          </p:cNvCxnSpPr>
-          <p:nvPr/>
-        </p:nvCxnSpPr>
-        <p:spPr>
-          <a:xfrm rot="10800000">
-            <a:off x="3108600" y="1881513"/>
-            <a:ext cx="0" cy="358500"/>
-          </a:xfrm>
-          <a:prstGeom prst="straightConnector1">
-            <a:avLst/>
-          </a:prstGeom>
-          <a:noFill/>
-          <a:ln cap="flat" cmpd="sng" w="9525">
-            <a:solidFill>
-              <a:schemeClr val="dk2"/>
-            </a:solidFill>
-            <a:prstDash val="solid"/>
-            <a:round/>
-            <a:headEnd len="lg" w="lg" type="none"/>
-            <a:tailEnd len="lg" w="lg" type="none"/>
-          </a:ln>
-        </p:spPr>
-      </p:cxnSp>
-      <p:cxnSp>
-        <p:nvCxnSpPr>
-          <p:cNvPr id="74" name="Shape 74"/>
-          <p:cNvCxnSpPr>
-            <a:stCxn id="57" idx="0"/>
-            <a:endCxn id="56" idx="2"/>
-          </p:cNvCxnSpPr>
-          <p:nvPr/>
-        </p:nvCxnSpPr>
-        <p:spPr>
-          <a:xfrm rot="10800000">
-            <a:off x="1043425" y="2931325"/>
-            <a:ext cx="0" cy="518700"/>
-          </a:xfrm>
-          <a:prstGeom prst="straightConnector1">
-            <a:avLst/>
-          </a:prstGeom>
-          <a:noFill/>
-          <a:ln cap="flat" cmpd="sng" w="9525">
-            <a:solidFill>
-              <a:schemeClr val="dk2"/>
-            </a:solidFill>
-            <a:prstDash val="solid"/>
-            <a:round/>
-            <a:headEnd len="lg" w="lg" type="none"/>
-            <a:tailEnd len="lg" w="lg" type="triangle"/>
-          </a:ln>
-        </p:spPr>
-      </p:cxnSp>
-      <p:cxnSp>
-        <p:nvCxnSpPr>
-          <p:cNvPr id="75" name="Shape 75"/>
-          <p:cNvCxnSpPr>
-            <a:stCxn id="66" idx="0"/>
-            <a:endCxn id="67" idx="2"/>
-          </p:cNvCxnSpPr>
-          <p:nvPr/>
-        </p:nvCxnSpPr>
-        <p:spPr>
-          <a:xfrm flipH="1" rot="10800000">
-            <a:off x="2935975" y="3961000"/>
-            <a:ext cx="172500" cy="441900"/>
-          </a:xfrm>
-          <a:prstGeom prst="straightConnector1">
-            <a:avLst/>
-          </a:prstGeom>
-          <a:noFill/>
-          <a:ln cap="flat" cmpd="sng" w="9525">
-            <a:solidFill>
-              <a:schemeClr val="dk2"/>
-            </a:solidFill>
-            <a:prstDash val="solid"/>
-            <a:round/>
-            <a:headEnd len="lg" w="lg" type="none"/>
-            <a:tailEnd len="lg" w="lg" type="triangle"/>
-          </a:ln>
-        </p:spPr>
-      </p:cxnSp>
-      <p:cxnSp>
-        <p:nvCxnSpPr>
-          <p:cNvPr id="76" name="Shape 76"/>
-          <p:cNvCxnSpPr>
-            <a:stCxn id="68" idx="0"/>
-            <a:endCxn id="67" idx="3"/>
-          </p:cNvCxnSpPr>
-          <p:nvPr/>
-        </p:nvCxnSpPr>
-        <p:spPr>
-          <a:xfrm rot="10800000">
-            <a:off x="3843438" y="3616900"/>
-            <a:ext cx="2073000" cy="657900"/>
-          </a:xfrm>
-          <a:prstGeom prst="straightConnector1">
-            <a:avLst/>
-          </a:prstGeom>
-          <a:noFill/>
-          <a:ln cap="flat" cmpd="sng" w="9525">
-            <a:solidFill>
-              <a:schemeClr val="dk2"/>
-            </a:solidFill>
-            <a:prstDash val="solid"/>
-            <a:round/>
-            <a:headEnd len="lg" w="lg" type="none"/>
-            <a:tailEnd len="lg" w="lg" type="triangle"/>
-          </a:ln>
-        </p:spPr>
-      </p:cxnSp>
-      <p:cxnSp>
-        <p:nvCxnSpPr>
-          <p:cNvPr id="77" name="Shape 77"/>
-          <p:cNvCxnSpPr>
-            <a:stCxn id="61" idx="0"/>
-            <a:endCxn id="59" idx="1"/>
-          </p:cNvCxnSpPr>
-          <p:nvPr/>
-        </p:nvCxnSpPr>
-        <p:spPr>
-          <a:xfrm flipH="1" rot="10800000">
-            <a:off x="4834500" y="317625"/>
-            <a:ext cx="1082100" cy="509700"/>
-          </a:xfrm>
-          <a:prstGeom prst="straightConnector1">
-            <a:avLst/>
-          </a:prstGeom>
-          <a:noFill/>
-          <a:ln cap="flat" cmpd="sng" w="9525">
-            <a:solidFill>
-              <a:schemeClr val="dk2"/>
-            </a:solidFill>
-            <a:prstDash val="solid"/>
-            <a:round/>
-            <a:headEnd len="lg" w="lg" type="none"/>
-            <a:tailEnd len="lg" w="lg" type="none"/>
-          </a:ln>
-        </p:spPr>
-      </p:cxnSp>
-      <p:cxnSp>
-        <p:nvCxnSpPr>
-          <p:cNvPr id="78" name="Shape 78"/>
-          <p:cNvCxnSpPr>
-            <a:stCxn id="63" idx="0"/>
-            <a:endCxn id="54" idx="2"/>
-          </p:cNvCxnSpPr>
-          <p:nvPr/>
-        </p:nvCxnSpPr>
-        <p:spPr>
-          <a:xfrm rot="10800000">
-            <a:off x="2936088" y="667875"/>
-            <a:ext cx="172500" cy="416700"/>
-          </a:xfrm>
-          <a:prstGeom prst="straightConnector1">
-            <a:avLst/>
-          </a:prstGeom>
-          <a:noFill/>
-          <a:ln cap="flat" cmpd="sng" w="9525">
-            <a:solidFill>
-              <a:schemeClr val="dk2"/>
-            </a:solidFill>
-            <a:prstDash val="solid"/>
-            <a:round/>
-            <a:headEnd len="lg" w="lg" type="none"/>
-            <a:tailEnd len="lg" w="lg" type="none"/>
-          </a:ln>
-        </p:spPr>
-      </p:cxnSp>
-      <p:cxnSp>
-        <p:nvCxnSpPr>
-          <p:cNvPr id="79" name="Shape 79"/>
-          <p:cNvCxnSpPr>
-            <a:stCxn id="62" idx="1"/>
-            <a:endCxn id="55" idx="3"/>
-          </p:cNvCxnSpPr>
-          <p:nvPr/>
-        </p:nvCxnSpPr>
-        <p:spPr>
-          <a:xfrm rot="10800000">
-            <a:off x="4040400" y="2535513"/>
-            <a:ext cx="1141200" cy="102900"/>
-          </a:xfrm>
-          <a:prstGeom prst="straightConnector1">
-            <a:avLst/>
-          </a:prstGeom>
-          <a:noFill/>
-          <a:ln cap="flat" cmpd="sng" w="9525">
-            <a:solidFill>
-              <a:schemeClr val="dk2"/>
-            </a:solidFill>
-            <a:prstDash val="solid"/>
-            <a:round/>
-            <a:headEnd len="lg" w="lg" type="none"/>
-            <a:tailEnd len="lg" w="lg" type="triangle"/>
-          </a:ln>
-        </p:spPr>
-      </p:cxnSp>
-      <p:cxnSp>
-        <p:nvCxnSpPr>
-          <p:cNvPr id="80" name="Shape 80"/>
-          <p:cNvCxnSpPr>
-            <a:stCxn id="56" idx="3"/>
-            <a:endCxn id="55" idx="1"/>
-          </p:cNvCxnSpPr>
-          <p:nvPr/>
-        </p:nvCxnSpPr>
-        <p:spPr>
-          <a:xfrm flipH="1" rot="10800000">
-            <a:off x="1778275" y="2535375"/>
-            <a:ext cx="398400" cy="51600"/>
-          </a:xfrm>
-          <a:prstGeom prst="straightConnector1">
-            <a:avLst/>
-          </a:prstGeom>
-          <a:noFill/>
-          <a:ln cap="flat" cmpd="sng" w="9525">
-            <a:solidFill>
-              <a:schemeClr val="dk2"/>
-            </a:solidFill>
-            <a:prstDash val="solid"/>
-            <a:round/>
-            <a:headEnd len="lg" w="lg" type="none"/>
-            <a:tailEnd len="lg" w="lg" type="triangle"/>
-          </a:ln>
-        </p:spPr>
-      </p:cxnSp>
-      <p:cxnSp>
-        <p:nvCxnSpPr>
-          <p:cNvPr id="81" name="Shape 81"/>
-          <p:cNvCxnSpPr>
-            <a:stCxn id="67" idx="0"/>
-            <a:endCxn id="55" idx="2"/>
-          </p:cNvCxnSpPr>
-          <p:nvPr/>
-        </p:nvCxnSpPr>
-        <p:spPr>
-          <a:xfrm rot="10800000">
-            <a:off x="3108600" y="2830663"/>
-            <a:ext cx="0" cy="441900"/>
-          </a:xfrm>
-          <a:prstGeom prst="straightConnector1">
-            <a:avLst/>
-          </a:prstGeom>
-          <a:noFill/>
-          <a:ln cap="flat" cmpd="sng" w="9525">
-            <a:solidFill>
-              <a:schemeClr val="dk2"/>
-            </a:solidFill>
-            <a:prstDash val="solid"/>
-            <a:round/>
-            <a:headEnd len="lg" w="lg" type="none"/>
-            <a:tailEnd len="lg" w="lg" type="triangle"/>
-          </a:ln>
-        </p:spPr>
-      </p:cxnSp>
-      <p:cxnSp>
-        <p:nvCxnSpPr>
-          <p:cNvPr id="82" name="Shape 82"/>
-          <p:cNvCxnSpPr>
-            <a:stCxn id="64" idx="3"/>
-            <a:endCxn id="55" idx="1"/>
-          </p:cNvCxnSpPr>
-          <p:nvPr/>
-        </p:nvCxnSpPr>
-        <p:spPr>
-          <a:xfrm>
-            <a:off x="1641925" y="1455288"/>
-            <a:ext cx="534900" cy="1080000"/>
-          </a:xfrm>
-          <a:prstGeom prst="straightConnector1">
-            <a:avLst/>
-          </a:prstGeom>
-          <a:noFill/>
-          <a:ln cap="flat" cmpd="sng" w="9525">
-            <a:solidFill>
-              <a:schemeClr val="dk2"/>
-            </a:solidFill>
-            <a:prstDash val="solid"/>
-            <a:round/>
-            <a:headEnd len="lg" w="lg" type="none"/>
-            <a:tailEnd len="lg" w="lg" type="triangle"/>
-          </a:ln>
-        </p:spPr>
-      </p:cxnSp>
     </p:spTree>
   </p:cSld>
   <p:clrMapOvr>
@@ -5298,6 +7543,285 @@
 </file>
 
 <file path=ppt/theme/theme1.xml><?xml version="1.0" encoding="utf-8"?>
+<a:theme xmlns:a="http://schemas.openxmlformats.org/drawingml/2006/main" xmlns:r="http://schemas.openxmlformats.org/officeDocument/2006/relationships" name="Simple Light">
+  <a:themeElements>
+    <a:clrScheme name="Simple Light">
+      <a:dk1>
+        <a:srgbClr val="000000"/>
+      </a:dk1>
+      <a:lt1>
+        <a:srgbClr val="FFFFFF"/>
+      </a:lt1>
+      <a:dk2>
+        <a:srgbClr val="595959"/>
+      </a:dk2>
+      <a:lt2>
+        <a:srgbClr val="EEEEEE"/>
+      </a:lt2>
+      <a:accent1>
+        <a:srgbClr val="FFAB40"/>
+      </a:accent1>
+      <a:accent2>
+        <a:srgbClr val="212121"/>
+      </a:accent2>
+      <a:accent3>
+        <a:srgbClr val="78909C"/>
+      </a:accent3>
+      <a:accent4>
+        <a:srgbClr val="FFAB40"/>
+      </a:accent4>
+      <a:accent5>
+        <a:srgbClr val="0097A7"/>
+      </a:accent5>
+      <a:accent6>
+        <a:srgbClr val="EEFF41"/>
+      </a:accent6>
+      <a:hlink>
+        <a:srgbClr val="0097A7"/>
+      </a:hlink>
+      <a:folHlink>
+        <a:srgbClr val="0097A7"/>
+      </a:folHlink>
+    </a:clrScheme>
+    <a:fontScheme name="Office">
+      <a:majorFont>
+        <a:latin typeface="Arial"/>
+        <a:ea typeface=""/>
+        <a:cs typeface=""/>
+        <a:font script="Jpan" typeface="ＭＳ Ｐゴシック"/>
+        <a:font script="Hang" typeface="맑은 고딕"/>
+        <a:font script="Hans" typeface="宋体"/>
+        <a:font script="Hant" typeface="新細明體"/>
+        <a:font script="Arab" typeface="Times New Roman"/>
+        <a:font script="Hebr" typeface="Times New Roman"/>
+        <a:font script="Thai" typeface="Angsana New"/>
+        <a:font script="Ethi" typeface="Nyala"/>
+        <a:font script="Beng" typeface="Vrinda"/>
+        <a:font script="Gujr" typeface="Shruti"/>
+        <a:font script="Khmr" typeface="MoolBoran"/>
+        <a:font script="Knda" typeface="Tunga"/>
+        <a:font script="Guru" typeface="Raavi"/>
+        <a:font script="Cans" typeface="Euphemia"/>
+        <a:font script="Cher" typeface="Plantagenet Cherokee"/>
+        <a:font script="Yiii" typeface="Microsoft Yi Baiti"/>
+        <a:font script="Tibt" typeface="Microsoft Himalaya"/>
+        <a:font script="Thaa" typeface="MV Boli"/>
+        <a:font script="Deva" typeface="Mangal"/>
+        <a:font script="Telu" typeface="Gautami"/>
+        <a:font script="Taml" typeface="Latha"/>
+        <a:font script="Syrc" typeface="Estrangelo Edessa"/>
+        <a:font script="Orya" typeface="Kalinga"/>
+        <a:font script="Mlym" typeface="Kartika"/>
+        <a:font script="Laoo" typeface="DokChampa"/>
+        <a:font script="Sinh" typeface="Iskoola Pota"/>
+        <a:font script="Mong" typeface="Mongolian Baiti"/>
+        <a:font script="Viet" typeface="Times New Roman"/>
+        <a:font script="Uigh" typeface="Microsoft Uighur"/>
+        <a:font script="Geor" typeface="Sylfaen"/>
+      </a:majorFont>
+      <a:minorFont>
+        <a:latin typeface="Arial"/>
+        <a:ea typeface=""/>
+        <a:cs typeface=""/>
+        <a:font script="Jpan" typeface="ＭＳ Ｐゴシック"/>
+        <a:font script="Hang" typeface="맑은 고딕"/>
+        <a:font script="Hans" typeface="宋体"/>
+        <a:font script="Hant" typeface="新細明體"/>
+        <a:font script="Arab" typeface="Arial"/>
+        <a:font script="Hebr" typeface="Arial"/>
+        <a:font script="Thai" typeface="Cordia New"/>
+        <a:font script="Ethi" typeface="Nyala"/>
+        <a:font script="Beng" typeface="Vrinda"/>
+        <a:font script="Gujr" typeface="Shruti"/>
+        <a:font script="Khmr" typeface="DaunPenh"/>
+        <a:font script="Knda" typeface="Tunga"/>
+        <a:font script="Guru" typeface="Raavi"/>
+        <a:font script="Cans" typeface="Euphemia"/>
+        <a:font script="Cher" typeface="Plantagenet Cherokee"/>
+        <a:font script="Yiii" typeface="Microsoft Yi Baiti"/>
+        <a:font script="Tibt" typeface="Microsoft Himalaya"/>
+        <a:font script="Thaa" typeface="MV Boli"/>
+        <a:font script="Deva" typeface="Mangal"/>
+        <a:font script="Telu" typeface="Gautami"/>
+        <a:font script="Taml" typeface="Latha"/>
+        <a:font script="Syrc" typeface="Estrangelo Edessa"/>
+        <a:font script="Orya" typeface="Kalinga"/>
+        <a:font script="Mlym" typeface="Kartika"/>
+        <a:font script="Laoo" typeface="DokChampa"/>
+        <a:font script="Sinh" typeface="Iskoola Pota"/>
+        <a:font script="Mong" typeface="Mongolian Baiti"/>
+        <a:font script="Viet" typeface="Arial"/>
+        <a:font script="Uigh" typeface="Microsoft Uighur"/>
+        <a:font script="Geor" typeface="Sylfaen"/>
+      </a:minorFont>
+    </a:fontScheme>
+    <a:fmtScheme name="Office">
+      <a:fillStyleLst>
+        <a:solidFill>
+          <a:schemeClr val="phClr"/>
+        </a:solidFill>
+        <a:gradFill rotWithShape="1">
+          <a:gsLst>
+            <a:gs pos="0">
+              <a:schemeClr val="phClr">
+                <a:tint val="50000"/>
+                <a:satMod val="300000"/>
+              </a:schemeClr>
+            </a:gs>
+            <a:gs pos="35000">
+              <a:schemeClr val="phClr">
+                <a:tint val="37000"/>
+                <a:satMod val="300000"/>
+              </a:schemeClr>
+            </a:gs>
+            <a:gs pos="100000">
+              <a:schemeClr val="phClr">
+                <a:tint val="15000"/>
+                <a:satMod val="350000"/>
+              </a:schemeClr>
+            </a:gs>
+          </a:gsLst>
+          <a:lin ang="16200000" scaled="1"/>
+        </a:gradFill>
+        <a:gradFill rotWithShape="1">
+          <a:gsLst>
+            <a:gs pos="0">
+              <a:schemeClr val="phClr">
+                <a:tint val="100000"/>
+                <a:shade val="100000"/>
+                <a:satMod val="130000"/>
+              </a:schemeClr>
+            </a:gs>
+            <a:gs pos="100000">
+              <a:schemeClr val="phClr">
+                <a:tint val="50000"/>
+                <a:shade val="100000"/>
+                <a:satMod val="350000"/>
+              </a:schemeClr>
+            </a:gs>
+          </a:gsLst>
+          <a:lin ang="16200000" scaled="0"/>
+        </a:gradFill>
+      </a:fillStyleLst>
+      <a:lnStyleLst>
+        <a:ln w="9525" cap="flat" cmpd="sng" algn="ctr">
+          <a:solidFill>
+            <a:schemeClr val="phClr">
+              <a:shade val="95000"/>
+              <a:satMod val="105000"/>
+            </a:schemeClr>
+          </a:solidFill>
+          <a:prstDash val="solid"/>
+        </a:ln>
+        <a:ln w="25400" cap="flat" cmpd="sng" algn="ctr">
+          <a:solidFill>
+            <a:schemeClr val="phClr"/>
+          </a:solidFill>
+          <a:prstDash val="solid"/>
+        </a:ln>
+        <a:ln w="38100" cap="flat" cmpd="sng" algn="ctr">
+          <a:solidFill>
+            <a:schemeClr val="phClr"/>
+          </a:solidFill>
+          <a:prstDash val="solid"/>
+        </a:ln>
+      </a:lnStyleLst>
+      <a:effectStyleLst>
+        <a:effectStyle>
+          <a:effectLst>
+            <a:outerShdw blurRad="40000" dist="20000" dir="5400000" rotWithShape="0">
+              <a:srgbClr val="000000">
+                <a:alpha val="38000"/>
+              </a:srgbClr>
+            </a:outerShdw>
+          </a:effectLst>
+        </a:effectStyle>
+        <a:effectStyle>
+          <a:effectLst>
+            <a:outerShdw blurRad="40000" dist="23000" dir="5400000" rotWithShape="0">
+              <a:srgbClr val="000000">
+                <a:alpha val="35000"/>
+              </a:srgbClr>
+            </a:outerShdw>
+          </a:effectLst>
+        </a:effectStyle>
+        <a:effectStyle>
+          <a:effectLst>
+            <a:outerShdw blurRad="40000" dist="23000" dir="5400000" rotWithShape="0">
+              <a:srgbClr val="000000">
+                <a:alpha val="35000"/>
+              </a:srgbClr>
+            </a:outerShdw>
+          </a:effectLst>
+          <a:scene3d>
+            <a:camera prst="orthographicFront">
+              <a:rot lat="0" lon="0" rev="0"/>
+            </a:camera>
+            <a:lightRig rig="threePt" dir="t">
+              <a:rot lat="0" lon="0" rev="1200000"/>
+            </a:lightRig>
+          </a:scene3d>
+          <a:sp3d>
+            <a:bevelT w="63500" h="25400"/>
+          </a:sp3d>
+        </a:effectStyle>
+      </a:effectStyleLst>
+      <a:bgFillStyleLst>
+        <a:solidFill>
+          <a:schemeClr val="phClr"/>
+        </a:solidFill>
+        <a:gradFill rotWithShape="1">
+          <a:gsLst>
+            <a:gs pos="0">
+              <a:schemeClr val="phClr">
+                <a:tint val="40000"/>
+                <a:satMod val="350000"/>
+              </a:schemeClr>
+            </a:gs>
+            <a:gs pos="40000">
+              <a:schemeClr val="phClr">
+                <a:tint val="45000"/>
+                <a:shade val="99000"/>
+                <a:satMod val="350000"/>
+              </a:schemeClr>
+            </a:gs>
+            <a:gs pos="100000">
+              <a:schemeClr val="phClr">
+                <a:shade val="20000"/>
+                <a:satMod val="255000"/>
+              </a:schemeClr>
+            </a:gs>
+          </a:gsLst>
+          <a:path path="circle">
+            <a:fillToRect l="50000" t="-80000" r="50000" b="180000"/>
+          </a:path>
+        </a:gradFill>
+        <a:gradFill rotWithShape="1">
+          <a:gsLst>
+            <a:gs pos="0">
+              <a:schemeClr val="phClr">
+                <a:tint val="80000"/>
+                <a:satMod val="300000"/>
+              </a:schemeClr>
+            </a:gs>
+            <a:gs pos="100000">
+              <a:schemeClr val="phClr">
+                <a:shade val="30000"/>
+                <a:satMod val="200000"/>
+              </a:schemeClr>
+            </a:gs>
+          </a:gsLst>
+          <a:path path="circle">
+            <a:fillToRect l="50000" t="50000" r="50000" b="50000"/>
+          </a:path>
+        </a:gradFill>
+      </a:bgFillStyleLst>
+    </a:fmtScheme>
+  </a:themeElements>
+</a:theme>
+</file>
+
+<file path=ppt/theme/theme2.xml><?xml version="1.0" encoding="utf-8"?>
 <a:theme xmlns:a="http://schemas.openxmlformats.org/drawingml/2006/main" xmlns:r="http://schemas.openxmlformats.org/officeDocument/2006/relationships" name="Custom Theme">
   <a:themeElements>
     <a:clrScheme name="Default">
@@ -5574,283 +8098,4 @@
     </a:fmtScheme>
   </a:themeElements>
 </a:theme>
-</file>
-
-<file path=ppt/theme/theme2.xml><?xml version="1.0" encoding="utf-8"?>
-<a:theme xmlns:a="http://schemas.openxmlformats.org/drawingml/2006/main" xmlns:r="http://schemas.openxmlformats.org/officeDocument/2006/relationships" name="Simple Light">
-  <a:themeElements>
-    <a:clrScheme name="Simple Light">
-      <a:dk1>
-        <a:srgbClr val="000000"/>
-      </a:dk1>
-      <a:lt1>
-        <a:srgbClr val="FFFFFF"/>
-      </a:lt1>
-      <a:dk2>
-        <a:srgbClr val="595959"/>
-      </a:dk2>
-      <a:lt2>
-        <a:srgbClr val="EEEEEE"/>
-      </a:lt2>
-      <a:accent1>
-        <a:srgbClr val="FFAB40"/>
-      </a:accent1>
-      <a:accent2>
-        <a:srgbClr val="212121"/>
-      </a:accent2>
-      <a:accent3>
-        <a:srgbClr val="78909C"/>
-      </a:accent3>
-      <a:accent4>
-        <a:srgbClr val="FFAB40"/>
-      </a:accent4>
-      <a:accent5>
-        <a:srgbClr val="0097A7"/>
-      </a:accent5>
-      <a:accent6>
-        <a:srgbClr val="EEFF41"/>
-      </a:accent6>
-      <a:hlink>
-        <a:srgbClr val="0097A7"/>
-      </a:hlink>
-      <a:folHlink>
-        <a:srgbClr val="0097A7"/>
-      </a:folHlink>
-    </a:clrScheme>
-    <a:fontScheme name="Office">
-      <a:majorFont>
-        <a:latin typeface="Arial"/>
-        <a:ea typeface=""/>
-        <a:cs typeface=""/>
-        <a:font script="Jpan" typeface="ＭＳ Ｐゴシック"/>
-        <a:font script="Hang" typeface="맑은 고딕"/>
-        <a:font script="Hans" typeface="宋体"/>
-        <a:font script="Hant" typeface="新細明體"/>
-        <a:font script="Arab" typeface="Times New Roman"/>
-        <a:font script="Hebr" typeface="Times New Roman"/>
-        <a:font script="Thai" typeface="Angsana New"/>
-        <a:font script="Ethi" typeface="Nyala"/>
-        <a:font script="Beng" typeface="Vrinda"/>
-        <a:font script="Gujr" typeface="Shruti"/>
-        <a:font script="Khmr" typeface="MoolBoran"/>
-        <a:font script="Knda" typeface="Tunga"/>
-        <a:font script="Guru" typeface="Raavi"/>
-        <a:font script="Cans" typeface="Euphemia"/>
-        <a:font script="Cher" typeface="Plantagenet Cherokee"/>
-        <a:font script="Yiii" typeface="Microsoft Yi Baiti"/>
-        <a:font script="Tibt" typeface="Microsoft Himalaya"/>
-        <a:font script="Thaa" typeface="MV Boli"/>
-        <a:font script="Deva" typeface="Mangal"/>
-        <a:font script="Telu" typeface="Gautami"/>
-        <a:font script="Taml" typeface="Latha"/>
-        <a:font script="Syrc" typeface="Estrangelo Edessa"/>
-        <a:font script="Orya" typeface="Kalinga"/>
-        <a:font script="Mlym" typeface="Kartika"/>
-        <a:font script="Laoo" typeface="DokChampa"/>
-        <a:font script="Sinh" typeface="Iskoola Pota"/>
-        <a:font script="Mong" typeface="Mongolian Baiti"/>
-        <a:font script="Viet" typeface="Times New Roman"/>
-        <a:font script="Uigh" typeface="Microsoft Uighur"/>
-        <a:font script="Geor" typeface="Sylfaen"/>
-      </a:majorFont>
-      <a:minorFont>
-        <a:latin typeface="Arial"/>
-        <a:ea typeface=""/>
-        <a:cs typeface=""/>
-        <a:font script="Jpan" typeface="ＭＳ Ｐゴシック"/>
-        <a:font script="Hang" typeface="맑은 고딕"/>
-        <a:font script="Hans" typeface="宋体"/>
-        <a:font script="Hant" typeface="新細明體"/>
-        <a:font script="Arab" typeface="Arial"/>
-        <a:font script="Hebr" typeface="Arial"/>
-        <a:font script="Thai" typeface="Cordia New"/>
-        <a:font script="Ethi" typeface="Nyala"/>
-        <a:font script="Beng" typeface="Vrinda"/>
-        <a:font script="Gujr" typeface="Shruti"/>
-        <a:font script="Khmr" typeface="DaunPenh"/>
-        <a:font script="Knda" typeface="Tunga"/>
-        <a:font script="Guru" typeface="Raavi"/>
-        <a:font script="Cans" typeface="Euphemia"/>
-        <a:font script="Cher" typeface="Plantagenet Cherokee"/>
-        <a:font script="Yiii" typeface="Microsoft Yi Baiti"/>
-        <a:font script="Tibt" typeface="Microsoft Himalaya"/>
-        <a:font script="Thaa" typeface="MV Boli"/>
-        <a:font script="Deva" typeface="Mangal"/>
-        <a:font script="Telu" typeface="Gautami"/>
-        <a:font script="Taml" typeface="Latha"/>
-        <a:font script="Syrc" typeface="Estrangelo Edessa"/>
-        <a:font script="Orya" typeface="Kalinga"/>
-        <a:font script="Mlym" typeface="Kartika"/>
-        <a:font script="Laoo" typeface="DokChampa"/>
-        <a:font script="Sinh" typeface="Iskoola Pota"/>
-        <a:font script="Mong" typeface="Mongolian Baiti"/>
-        <a:font script="Viet" typeface="Arial"/>
-        <a:font script="Uigh" typeface="Microsoft Uighur"/>
-        <a:font script="Geor" typeface="Sylfaen"/>
-      </a:minorFont>
-    </a:fontScheme>
-    <a:fmtScheme name="Office">
-      <a:fillStyleLst>
-        <a:solidFill>
-          <a:schemeClr val="phClr"/>
-        </a:solidFill>
-        <a:gradFill rotWithShape="1">
-          <a:gsLst>
-            <a:gs pos="0">
-              <a:schemeClr val="phClr">
-                <a:tint val="50000"/>
-                <a:satMod val="300000"/>
-              </a:schemeClr>
-            </a:gs>
-            <a:gs pos="35000">
-              <a:schemeClr val="phClr">
-                <a:tint val="37000"/>
-                <a:satMod val="300000"/>
-              </a:schemeClr>
-            </a:gs>
-            <a:gs pos="100000">
-              <a:schemeClr val="phClr">
-                <a:tint val="15000"/>
-                <a:satMod val="350000"/>
-              </a:schemeClr>
-            </a:gs>
-          </a:gsLst>
-          <a:lin ang="16200000" scaled="1"/>
-        </a:gradFill>
-        <a:gradFill rotWithShape="1">
-          <a:gsLst>
-            <a:gs pos="0">
-              <a:schemeClr val="phClr">
-                <a:tint val="100000"/>
-                <a:shade val="100000"/>
-                <a:satMod val="130000"/>
-              </a:schemeClr>
-            </a:gs>
-            <a:gs pos="100000">
-              <a:schemeClr val="phClr">
-                <a:tint val="50000"/>
-                <a:shade val="100000"/>
-                <a:satMod val="350000"/>
-              </a:schemeClr>
-            </a:gs>
-          </a:gsLst>
-          <a:lin ang="16200000" scaled="0"/>
-        </a:gradFill>
-      </a:fillStyleLst>
-      <a:lnStyleLst>
-        <a:ln w="9525" cap="flat" cmpd="sng" algn="ctr">
-          <a:solidFill>
-            <a:schemeClr val="phClr">
-              <a:shade val="95000"/>
-              <a:satMod val="105000"/>
-            </a:schemeClr>
-          </a:solidFill>
-          <a:prstDash val="solid"/>
-        </a:ln>
-        <a:ln w="25400" cap="flat" cmpd="sng" algn="ctr">
-          <a:solidFill>
-            <a:schemeClr val="phClr"/>
-          </a:solidFill>
-          <a:prstDash val="solid"/>
-        </a:ln>
-        <a:ln w="38100" cap="flat" cmpd="sng" algn="ctr">
-          <a:solidFill>
-            <a:schemeClr val="phClr"/>
-          </a:solidFill>
-          <a:prstDash val="solid"/>
-        </a:ln>
-      </a:lnStyleLst>
-      <a:effectStyleLst>
-        <a:effectStyle>
-          <a:effectLst>
-            <a:outerShdw blurRad="40000" dist="20000" dir="5400000" rotWithShape="0">
-              <a:srgbClr val="000000">
-                <a:alpha val="38000"/>
-              </a:srgbClr>
-            </a:outerShdw>
-          </a:effectLst>
-        </a:effectStyle>
-        <a:effectStyle>
-          <a:effectLst>
-            <a:outerShdw blurRad="40000" dist="23000" dir="5400000" rotWithShape="0">
-              <a:srgbClr val="000000">
-                <a:alpha val="35000"/>
-              </a:srgbClr>
-            </a:outerShdw>
-          </a:effectLst>
-        </a:effectStyle>
-        <a:effectStyle>
-          <a:effectLst>
-            <a:outerShdw blurRad="40000" dist="23000" dir="5400000" rotWithShape="0">
-              <a:srgbClr val="000000">
-                <a:alpha val="35000"/>
-              </a:srgbClr>
-            </a:outerShdw>
-          </a:effectLst>
-          <a:scene3d>
-            <a:camera prst="orthographicFront">
-              <a:rot lat="0" lon="0" rev="0"/>
-            </a:camera>
-            <a:lightRig rig="threePt" dir="t">
-              <a:rot lat="0" lon="0" rev="1200000"/>
-            </a:lightRig>
-          </a:scene3d>
-          <a:sp3d>
-            <a:bevelT w="63500" h="25400"/>
-          </a:sp3d>
-        </a:effectStyle>
-      </a:effectStyleLst>
-      <a:bgFillStyleLst>
-        <a:solidFill>
-          <a:schemeClr val="phClr"/>
-        </a:solidFill>
-        <a:gradFill rotWithShape="1">
-          <a:gsLst>
-            <a:gs pos="0">
-              <a:schemeClr val="phClr">
-                <a:tint val="40000"/>
-                <a:satMod val="350000"/>
-              </a:schemeClr>
-            </a:gs>
-            <a:gs pos="40000">
-              <a:schemeClr val="phClr">
-                <a:tint val="45000"/>
-                <a:shade val="99000"/>
-                <a:satMod val="350000"/>
-              </a:schemeClr>
-            </a:gs>
-            <a:gs pos="100000">
-              <a:schemeClr val="phClr">
-                <a:shade val="20000"/>
-                <a:satMod val="255000"/>
-              </a:schemeClr>
-            </a:gs>
-          </a:gsLst>
-          <a:path path="circle">
-            <a:fillToRect l="50000" t="-80000" r="50000" b="180000"/>
-          </a:path>
-        </a:gradFill>
-        <a:gradFill rotWithShape="1">
-          <a:gsLst>
-            <a:gs pos="0">
-              <a:schemeClr val="phClr">
-                <a:tint val="80000"/>
-                <a:satMod val="300000"/>
-              </a:schemeClr>
-            </a:gs>
-            <a:gs pos="100000">
-              <a:schemeClr val="phClr">
-                <a:shade val="30000"/>
-                <a:satMod val="200000"/>
-              </a:schemeClr>
-            </a:gs>
-          </a:gsLst>
-          <a:path path="circle">
-            <a:fillToRect l="50000" t="50000" r="50000" b="50000"/>
-          </a:path>
-        </a:gradFill>
-      </a:bgFillStyleLst>
-    </a:fmtScheme>
-  </a:themeElements>
-</a:theme>
 </file>